--- a/20191220/Deep Learning(20191220).pptx
+++ b/20191220/Deep Learning(20191220).pptx
@@ -449,6 +449,11 @@
         </p:txBody>
       </p:sp>
     </p:spTree>
+    <p:extLst>
+      <p:ext uri="{BB962C8B-B14F-4D97-AF65-F5344CB8AC3E}">
+        <p14:creationId xmlns:p14="http://schemas.microsoft.com/office/powerpoint/2010/main" val="1"/>
+      </p:ext>
+    </p:extLst>
   </p:cSld>
   <p:clrMap bg1="lt1" tx1="dk1" bg2="lt2" tx2="dk2" accent1="accent1" accent2="accent2" accent3="accent3" accent4="accent4" accent5="accent5" accent6="accent6" hlink="hlink" folHlink="folHlink"/>
 </p:handoutMaster>
@@ -568,7 +573,7 @@
               <a:pPr>
                 <a:defRPr/>
               </a:pPr>
-              <a:t>2020-01-07</a:t>
+              <a:t>2021-06-05</a:t>
             </a:fld>
             <a:endParaRPr lang="ko-KR" altLang="en-US"/>
           </a:p>
@@ -996,7 +1001,7 @@
           </a:bodyPr>
           <a:lstStyle/>
           <a:p>
-            <a:endParaRPr kumimoji="1" lang="ko-KR" altLang="en-US" smtClean="0"/>
+            <a:endParaRPr kumimoji="1" lang="ko-KR" altLang="en-US"/>
           </a:p>
         </p:txBody>
       </p:sp>
@@ -1174,7 +1179,7 @@
               </a:pPr>
               <a:t>1</a:t>
             </a:fld>
-            <a:endParaRPr lang="en-US" altLang="ko-KR" smtClean="0">
+            <a:endParaRPr lang="en-US" altLang="ko-KR">
               <a:latin typeface="굴림" panose="020B0600000101010101" pitchFamily="50" charset="-127"/>
               <a:ea typeface="굴림" panose="020B0600000101010101" pitchFamily="50" charset="-127"/>
             </a:endParaRPr>
@@ -1277,7 +1282,7 @@
           </a:bodyPr>
           <a:lstStyle/>
           <a:p>
-            <a:endParaRPr kumimoji="1" lang="en-US" altLang="ko-KR" dirty="0" smtClean="0"/>
+            <a:endParaRPr kumimoji="1" lang="en-US" altLang="ko-KR" dirty="0"/>
           </a:p>
         </p:txBody>
       </p:sp>
@@ -1428,7 +1433,7 @@
               <a:pPr/>
               <a:t>15</a:t>
             </a:fld>
-            <a:endParaRPr lang="en-US" altLang="ko-KR" smtClean="0"/>
+            <a:endParaRPr lang="en-US" altLang="ko-KR"/>
           </a:p>
         </p:txBody>
       </p:sp>
@@ -1533,7 +1538,7 @@
           </a:bodyPr>
           <a:lstStyle/>
           <a:p>
-            <a:endParaRPr kumimoji="1" lang="en-US" altLang="ko-KR" dirty="0" smtClean="0"/>
+            <a:endParaRPr kumimoji="1" lang="en-US" altLang="ko-KR" dirty="0"/>
           </a:p>
         </p:txBody>
       </p:sp>
@@ -1684,7 +1689,7 @@
               <a:pPr/>
               <a:t>17</a:t>
             </a:fld>
-            <a:endParaRPr lang="en-US" altLang="ko-KR" smtClean="0"/>
+            <a:endParaRPr lang="en-US" altLang="ko-KR"/>
           </a:p>
         </p:txBody>
       </p:sp>
@@ -1789,7 +1794,7 @@
           </a:bodyPr>
           <a:lstStyle/>
           <a:p>
-            <a:endParaRPr kumimoji="1" lang="en-US" altLang="ko-KR" dirty="0" smtClean="0"/>
+            <a:endParaRPr kumimoji="1" lang="en-US" altLang="ko-KR" dirty="0"/>
           </a:p>
         </p:txBody>
       </p:sp>
@@ -1940,7 +1945,7 @@
               <a:pPr/>
               <a:t>19</a:t>
             </a:fld>
-            <a:endParaRPr lang="en-US" altLang="ko-KR" smtClean="0"/>
+            <a:endParaRPr lang="en-US" altLang="ko-KR"/>
           </a:p>
         </p:txBody>
       </p:sp>
@@ -2045,7 +2050,7 @@
           </a:bodyPr>
           <a:lstStyle/>
           <a:p>
-            <a:endParaRPr kumimoji="1" lang="en-US" altLang="ko-KR" dirty="0" smtClean="0"/>
+            <a:endParaRPr kumimoji="1" lang="en-US" altLang="ko-KR" dirty="0"/>
           </a:p>
         </p:txBody>
       </p:sp>
@@ -2196,7 +2201,7 @@
               <a:pPr/>
               <a:t>3</a:t>
             </a:fld>
-            <a:endParaRPr lang="en-US" altLang="ko-KR" smtClean="0"/>
+            <a:endParaRPr lang="en-US" altLang="ko-KR"/>
           </a:p>
         </p:txBody>
       </p:sp>
@@ -2302,7 +2307,7 @@
           </a:bodyPr>
           <a:lstStyle/>
           <a:p>
-            <a:endParaRPr kumimoji="1" lang="ko-KR" altLang="en-US" dirty="0" smtClean="0"/>
+            <a:endParaRPr kumimoji="1" lang="ko-KR" altLang="en-US" dirty="0"/>
           </a:p>
         </p:txBody>
       </p:sp>
@@ -2453,7 +2458,7 @@
               <a:pPr/>
               <a:t>5</a:t>
             </a:fld>
-            <a:endParaRPr lang="en-US" altLang="ko-KR" smtClean="0"/>
+            <a:endParaRPr lang="en-US" altLang="ko-KR"/>
           </a:p>
         </p:txBody>
       </p:sp>
@@ -2559,7 +2564,7 @@
           </a:bodyPr>
           <a:lstStyle/>
           <a:p>
-            <a:endParaRPr kumimoji="1" lang="ko-KR" altLang="en-US" dirty="0" smtClean="0"/>
+            <a:endParaRPr kumimoji="1" lang="ko-KR" altLang="en-US" dirty="0"/>
           </a:p>
         </p:txBody>
       </p:sp>
@@ -2710,7 +2715,7 @@
               <a:pPr/>
               <a:t>6</a:t>
             </a:fld>
-            <a:endParaRPr lang="en-US" altLang="ko-KR" smtClean="0"/>
+            <a:endParaRPr lang="en-US" altLang="ko-KR"/>
           </a:p>
         </p:txBody>
       </p:sp>
@@ -2816,7 +2821,7 @@
           </a:bodyPr>
           <a:lstStyle/>
           <a:p>
-            <a:endParaRPr kumimoji="1" lang="ko-KR" altLang="en-US" dirty="0" smtClean="0"/>
+            <a:endParaRPr kumimoji="1" lang="ko-KR" altLang="en-US" dirty="0"/>
           </a:p>
         </p:txBody>
       </p:sp>
@@ -2967,7 +2972,7 @@
               <a:pPr/>
               <a:t>8</a:t>
             </a:fld>
-            <a:endParaRPr lang="en-US" altLang="ko-KR" smtClean="0"/>
+            <a:endParaRPr lang="en-US" altLang="ko-KR"/>
           </a:p>
         </p:txBody>
       </p:sp>
@@ -3073,7 +3078,7 @@
           </a:bodyPr>
           <a:lstStyle/>
           <a:p>
-            <a:endParaRPr kumimoji="1" lang="ko-KR" altLang="en-US" dirty="0" smtClean="0"/>
+            <a:endParaRPr kumimoji="1" lang="ko-KR" altLang="en-US" dirty="0"/>
           </a:p>
         </p:txBody>
       </p:sp>
@@ -3224,7 +3229,7 @@
               <a:pPr/>
               <a:t>9</a:t>
             </a:fld>
-            <a:endParaRPr lang="en-US" altLang="ko-KR" smtClean="0"/>
+            <a:endParaRPr lang="en-US" altLang="ko-KR"/>
           </a:p>
         </p:txBody>
       </p:sp>
@@ -3329,7 +3334,7 @@
           </a:bodyPr>
           <a:lstStyle/>
           <a:p>
-            <a:endParaRPr kumimoji="1" lang="en-US" altLang="ko-KR" dirty="0" smtClean="0"/>
+            <a:endParaRPr kumimoji="1" lang="en-US" altLang="ko-KR" dirty="0"/>
           </a:p>
         </p:txBody>
       </p:sp>
@@ -3480,7 +3485,7 @@
               <a:pPr/>
               <a:t>11</a:t>
             </a:fld>
-            <a:endParaRPr lang="en-US" altLang="ko-KR" smtClean="0"/>
+            <a:endParaRPr lang="en-US" altLang="ko-KR"/>
           </a:p>
         </p:txBody>
       </p:sp>
@@ -3585,7 +3590,7 @@
           </a:bodyPr>
           <a:lstStyle/>
           <a:p>
-            <a:endParaRPr kumimoji="1" lang="en-US" altLang="ko-KR" dirty="0" smtClean="0"/>
+            <a:endParaRPr kumimoji="1" lang="en-US" altLang="ko-KR" dirty="0"/>
           </a:p>
         </p:txBody>
       </p:sp>
@@ -3736,7 +3741,7 @@
               <a:pPr/>
               <a:t>12</a:t>
             </a:fld>
-            <a:endParaRPr lang="en-US" altLang="ko-KR" smtClean="0"/>
+            <a:endParaRPr lang="en-US" altLang="ko-KR"/>
           </a:p>
         </p:txBody>
       </p:sp>
@@ -3841,7 +3846,7 @@
           </a:bodyPr>
           <a:lstStyle/>
           <a:p>
-            <a:endParaRPr kumimoji="1" lang="en-US" altLang="ko-KR" dirty="0" smtClean="0"/>
+            <a:endParaRPr kumimoji="1" lang="en-US" altLang="ko-KR" dirty="0"/>
           </a:p>
         </p:txBody>
       </p:sp>
@@ -3992,7 +3997,7 @@
               <a:pPr/>
               <a:t>14</a:t>
             </a:fld>
-            <a:endParaRPr lang="en-US" altLang="ko-KR" smtClean="0"/>
+            <a:endParaRPr lang="en-US" altLang="ko-KR"/>
           </a:p>
         </p:txBody>
       </p:sp>
@@ -4318,13 +4323,6 @@
     <p:sldLayoutId id="2147483891" r:id="rId4"/>
     <p:sldLayoutId id="2147483892" r:id="rId5"/>
   </p:sldLayoutIdLst>
-  <p:timing>
-    <p:tnLst>
-      <p:par>
-        <p:cTn id="1" dur="indefinite" restart="never" nodeType="tmRoot"/>
-      </p:par>
-    </p:tnLst>
-  </p:timing>
   <p:hf hdr="0" ftr="0" dt="0"/>
   <p:txStyles>
     <p:titleStyle>
@@ -4919,7 +4917,7 @@
               <a:defRPr/>
             </a:pPr>
             <a:r>
-              <a:rPr lang="en-US" altLang="ko-KR" sz="1600" b="1" dirty="0" smtClean="0">
+              <a:rPr lang="en-US" altLang="ko-KR" sz="1600" b="1" dirty="0">
                 <a:solidFill>
                   <a:schemeClr val="tx1">
                     <a:lumMod val="50000"/>
@@ -4946,60 +4944,6 @@
           </a:p>
         </p:txBody>
       </p:sp>
-      <p:pic>
-        <p:nvPicPr>
-          <p:cNvPr id="6147" name="그림 1"/>
-          <p:cNvPicPr>
-            <a:picLocks noChangeAspect="1"/>
-          </p:cNvPicPr>
-          <p:nvPr/>
-        </p:nvPicPr>
-        <p:blipFill>
-          <a:blip r:embed="rId4" cstate="print">
-            <a:extLst>
-              <a:ext uri="{28A0092B-C50C-407E-A947-70E740481C1C}">
-                <a14:useLocalDpi xmlns:a14="http://schemas.microsoft.com/office/drawing/2010/main" val="0"/>
-              </a:ext>
-            </a:extLst>
-          </a:blip>
-          <a:srcRect/>
-          <a:stretch>
-            <a:fillRect/>
-          </a:stretch>
-        </p:blipFill>
-        <p:spPr bwMode="auto">
-          <a:xfrm>
-            <a:off x="179388" y="6416675"/>
-            <a:ext cx="1223962" cy="298450"/>
-          </a:xfrm>
-          <a:prstGeom prst="rect">
-            <a:avLst/>
-          </a:prstGeom>
-          <a:noFill/>
-          <a:ln>
-            <a:noFill/>
-          </a:ln>
-          <a:extLst>
-            <a:ext uri="{909E8E84-426E-40DD-AFC4-6F175D3DCCD1}">
-              <a14:hiddenFill xmlns:a14="http://schemas.microsoft.com/office/drawing/2010/main">
-                <a:solidFill>
-                  <a:srgbClr val="FFFFFF"/>
-                </a:solidFill>
-              </a14:hiddenFill>
-            </a:ext>
-            <a:ext uri="{91240B29-F687-4F45-9708-019B960494DF}">
-              <a14:hiddenLine xmlns:a14="http://schemas.microsoft.com/office/drawing/2010/main" w="9525">
-                <a:solidFill>
-                  <a:srgbClr val="000000"/>
-                </a:solidFill>
-                <a:miter lim="800000"/>
-                <a:headEnd/>
-                <a:tailEnd/>
-              </a14:hiddenLine>
-            </a:ext>
-          </a:extLst>
-        </p:spPr>
-      </p:pic>
       <p:sp>
         <p:nvSpPr>
           <p:cNvPr id="9" name="Text Box 58">
@@ -5177,7 +5121,7 @@
               <a:defRPr/>
             </a:pPr>
             <a:r>
-              <a:rPr lang="en-US" altLang="ko-KR" sz="3800" dirty="0" smtClean="0">
+              <a:rPr lang="en-US" altLang="ko-KR" sz="3800" dirty="0">
                 <a:latin typeface="나눔고딕 ExtraBold" panose="020D0904000000000000" pitchFamily="50" charset="-127"/>
                 <a:ea typeface="나눔고딕 ExtraBold" panose="020D0904000000000000" pitchFamily="50" charset="-127"/>
                 <a:cs typeface="Nanum Gothic" charset="-127"/>
@@ -5256,13 +5200,6 @@
   <p:clrMapOvr>
     <a:masterClrMapping/>
   </p:clrMapOvr>
-  <p:timing>
-    <p:tnLst>
-      <p:par>
-        <p:cTn id="1" dur="indefinite" restart="never" nodeType="tmRoot"/>
-      </p:par>
-    </p:tnLst>
-  </p:timing>
 </p:sld>
 </file>
 
@@ -5465,7 +5402,7 @@
               <a:defRPr/>
             </a:pPr>
             <a:r>
-              <a:rPr lang="ko-KR" altLang="en-US" sz="3800" kern="0" dirty="0" err="1" smtClean="0">
+              <a:rPr lang="ko-KR" altLang="en-US" sz="3800" kern="0" dirty="0" err="1">
                 <a:solidFill>
                   <a:schemeClr val="tx1"/>
                 </a:solidFill>
@@ -5476,7 +5413,7 @@
               <a:t>과적합</a:t>
             </a:r>
             <a:r>
-              <a:rPr lang="ko-KR" altLang="en-US" sz="3800" kern="0" dirty="0" smtClean="0">
+              <a:rPr lang="ko-KR" altLang="en-US" sz="3800" kern="0" dirty="0">
                 <a:solidFill>
                   <a:schemeClr val="tx1"/>
                 </a:solidFill>
@@ -5682,7 +5619,7 @@
               <a:defRPr/>
             </a:pPr>
             <a:r>
-              <a:rPr lang="en-US" altLang="ko-KR" sz="3800" kern="0" dirty="0" smtClean="0">
+              <a:rPr lang="en-US" altLang="ko-KR" sz="3800" kern="0" dirty="0">
                 <a:solidFill>
                   <a:srgbClr val="0070C0"/>
                 </a:solidFill>
@@ -5692,7 +5629,7 @@
               </a:rPr>
               <a:t>03.</a:t>
             </a:r>
-            <a:endParaRPr lang="ko-KR" altLang="en-US" sz="3800" kern="0" dirty="0" smtClean="0">
+            <a:endParaRPr lang="ko-KR" altLang="en-US" sz="3800" kern="0" dirty="0">
               <a:solidFill>
                 <a:srgbClr val="0070C0"/>
               </a:solidFill>
@@ -5713,13 +5650,6 @@
   <p:clrMapOvr>
     <a:masterClrMapping/>
   </p:clrMapOvr>
-  <p:timing>
-    <p:tnLst>
-      <p:par>
-        <p:cTn id="1" dur="indefinite" restart="never" nodeType="tmRoot"/>
-      </p:par>
-    </p:tnLst>
-  </p:timing>
 </p:sld>
 </file>
 
@@ -5792,24 +5722,17 @@
                 <a:latin typeface="나눔고딕 ExtraBold" panose="020D0904000000000000" pitchFamily="50" charset="-127"/>
                 <a:ea typeface="나눔고딕 ExtraBold" panose="020D0904000000000000" pitchFamily="50" charset="-127"/>
               </a:rPr>
-              <a:t>3</a:t>
-            </a:r>
-            <a:r>
-              <a:rPr lang="en-US" altLang="ko-KR" sz="2800" dirty="0" smtClean="0">
+              <a:t>3. </a:t>
+            </a:r>
+            <a:r>
+              <a:rPr lang="ko-KR" altLang="en-US" sz="2800" dirty="0" err="1">
                 <a:latin typeface="나눔고딕 ExtraBold" panose="020D0904000000000000" pitchFamily="50" charset="-127"/>
                 <a:ea typeface="나눔고딕 ExtraBold" panose="020D0904000000000000" pitchFamily="50" charset="-127"/>
               </a:rPr>
-              <a:t>. </a:t>
-            </a:r>
-            <a:r>
-              <a:rPr lang="ko-KR" altLang="en-US" sz="2800" dirty="0" err="1" smtClean="0">
-                <a:latin typeface="나눔고딕 ExtraBold" panose="020D0904000000000000" pitchFamily="50" charset="-127"/>
-                <a:ea typeface="나눔고딕 ExtraBold" panose="020D0904000000000000" pitchFamily="50" charset="-127"/>
-              </a:rPr>
               <a:t>과적합</a:t>
             </a:r>
             <a:r>
-              <a:rPr lang="ko-KR" altLang="en-US" sz="2800" dirty="0" smtClean="0">
+              <a:rPr lang="ko-KR" altLang="en-US" sz="2800" dirty="0">
                 <a:latin typeface="나눔고딕 ExtraBold" panose="020D0904000000000000" pitchFamily="50" charset="-127"/>
                 <a:ea typeface="나눔고딕 ExtraBold" panose="020D0904000000000000" pitchFamily="50" charset="-127"/>
               </a:rPr>
@@ -6105,7 +6028,7 @@
               <a:defRPr/>
             </a:pPr>
             <a:r>
-              <a:rPr lang="ko-KR" altLang="en-US" sz="2000" b="1" dirty="0" err="1" smtClean="0">
+              <a:rPr lang="ko-KR" altLang="en-US" sz="2000" b="1" dirty="0" err="1">
                 <a:gradFill>
                   <a:gsLst>
                     <a:gs pos="0">
@@ -6123,7 +6046,7 @@
               <a:t>과적합</a:t>
             </a:r>
             <a:r>
-              <a:rPr lang="en-US" altLang="ko-KR" sz="2000" b="1" dirty="0" smtClean="0">
+              <a:rPr lang="en-US" altLang="ko-KR" sz="2000" b="1" dirty="0">
                 <a:gradFill>
                   <a:gsLst>
                     <a:gs pos="0">
@@ -6486,7 +6409,7 @@
               <a:defRPr/>
             </a:pPr>
             <a:r>
-              <a:rPr lang="ko-KR" altLang="en-US" sz="1600" b="1" dirty="0" smtClean="0">
+              <a:rPr lang="ko-KR" altLang="en-US" sz="1600" b="1" dirty="0">
                 <a:gradFill>
                   <a:gsLst>
                     <a:gs pos="0">
@@ -6503,7 +6426,7 @@
               </a:rPr>
               <a:t>     데이터를 과하게 학습하는 것</a:t>
             </a:r>
-            <a:endParaRPr lang="en-US" altLang="ko-KR" sz="1600" b="1" dirty="0" smtClean="0">
+            <a:endParaRPr lang="en-US" altLang="ko-KR" sz="1600" b="1" dirty="0">
               <a:gradFill>
                 <a:gsLst>
                   <a:gs pos="0">
@@ -6524,7 +6447,7 @@
               <a:defRPr/>
             </a:pPr>
             <a:r>
-              <a:rPr lang="ko-KR" altLang="en-US" sz="1600" b="1" dirty="0" smtClean="0">
+              <a:rPr lang="ko-KR" altLang="en-US" sz="1600" b="1" dirty="0">
                 <a:gradFill>
                   <a:gsLst>
                     <a:gs pos="0">
@@ -6851,7 +6774,7 @@
               <a:defRPr/>
             </a:pPr>
             <a:r>
-              <a:rPr lang="ko-KR" altLang="en-US" sz="1600" b="1" dirty="0" err="1" smtClean="0">
+              <a:rPr lang="ko-KR" altLang="en-US" sz="1600" b="1" dirty="0" err="1">
                 <a:gradFill>
                   <a:gsLst>
                     <a:gs pos="0">
@@ -6869,7 +6792,7 @@
               <a:t>학습셋과</a:t>
             </a:r>
             <a:r>
-              <a:rPr lang="ko-KR" altLang="en-US" sz="1600" b="1" dirty="0" smtClean="0">
+              <a:rPr lang="ko-KR" altLang="en-US" sz="1600" b="1" dirty="0">
                 <a:gradFill>
                   <a:gsLst>
                     <a:gs pos="0">
@@ -6887,7 +6810,7 @@
               <a:t> </a:t>
             </a:r>
             <a:r>
-              <a:rPr lang="ko-KR" altLang="en-US" sz="1600" b="1" dirty="0" err="1" smtClean="0">
+              <a:rPr lang="ko-KR" altLang="en-US" sz="1600" b="1" dirty="0" err="1">
                 <a:gradFill>
                   <a:gsLst>
                     <a:gs pos="0">
@@ -6905,7 +6828,7 @@
               <a:t>테스트셋을</a:t>
             </a:r>
             <a:r>
-              <a:rPr lang="ko-KR" altLang="en-US" sz="1600" b="1" dirty="0" smtClean="0">
+              <a:rPr lang="ko-KR" altLang="en-US" sz="1600" b="1" dirty="0">
                 <a:gradFill>
                   <a:gsLst>
                     <a:gs pos="0">
@@ -6922,7 +6845,7 @@
               </a:rPr>
               <a:t> </a:t>
             </a:r>
-            <a:endParaRPr lang="en-US" altLang="ko-KR" sz="1600" b="1" dirty="0" smtClean="0">
+            <a:endParaRPr lang="en-US" altLang="ko-KR" sz="1600" b="1" dirty="0">
               <a:gradFill>
                 <a:gsLst>
                   <a:gs pos="0">
@@ -6961,28 +6884,10 @@
                 <a:latin typeface="나눔고딕" panose="020D0604000000000000" pitchFamily="50" charset="-127"/>
                 <a:ea typeface="나눔고딕 ExtraBold"/>
               </a:rPr>
-              <a:t> </a:t>
-            </a:r>
-            <a:r>
-              <a:rPr lang="en-US" altLang="ko-KR" sz="1600" b="1" dirty="0" smtClean="0">
-                <a:gradFill>
-                  <a:gsLst>
-                    <a:gs pos="0">
-                      <a:srgbClr val="404040"/>
-                    </a:gs>
-                    <a:gs pos="100000">
-                      <a:srgbClr val="404040"/>
-                    </a:gs>
-                  </a:gsLst>
-                  <a:lin ang="5400000" scaled="0"/>
-                </a:gradFill>
-                <a:latin typeface="나눔고딕" panose="020D0604000000000000" pitchFamily="50" charset="-127"/>
-                <a:ea typeface="나눔고딕 ExtraBold"/>
-              </a:rPr>
-              <a:t>    </a:t>
-            </a:r>
-            <a:r>
-              <a:rPr lang="ko-KR" altLang="en-US" sz="1600" b="1" dirty="0" smtClean="0">
+              <a:t>     </a:t>
+            </a:r>
+            <a:r>
+              <a:rPr lang="ko-KR" altLang="en-US" sz="1600" b="1" dirty="0">
                 <a:gradFill>
                   <a:gsLst>
                     <a:gs pos="0">
@@ -7025,7 +6930,7 @@
               <a:defRPr/>
             </a:pPr>
             <a:r>
-              <a:rPr lang="ko-KR" altLang="en-US" sz="1600" b="1" dirty="0" err="1" smtClean="0">
+              <a:rPr lang="ko-KR" altLang="en-US" sz="1600" b="1" dirty="0" err="1">
                 <a:gradFill>
                   <a:gsLst>
                     <a:gs pos="0">
@@ -7043,7 +6948,7 @@
               <a:t>테스트셋</a:t>
             </a:r>
             <a:r>
-              <a:rPr lang="ko-KR" altLang="en-US" sz="1600" b="1" dirty="0" smtClean="0">
+              <a:rPr lang="ko-KR" altLang="en-US" sz="1600" b="1" dirty="0">
                 <a:gradFill>
                   <a:gsLst>
                     <a:gs pos="0">
@@ -7060,7 +6965,7 @@
               </a:rPr>
               <a:t> 오차가 증가하는 시점에서 학습 중단</a:t>
             </a:r>
-            <a:endParaRPr lang="en-US" altLang="ko-KR" sz="1600" b="1" dirty="0" smtClean="0">
+            <a:endParaRPr lang="en-US" altLang="ko-KR" sz="1600" b="1" dirty="0">
               <a:gradFill>
                 <a:gsLst>
                   <a:gs pos="0">
@@ -7086,7 +6991,7 @@
               <a:defRPr/>
             </a:pPr>
             <a:r>
-              <a:rPr lang="ko-KR" altLang="en-US" sz="1600" b="1" dirty="0" smtClean="0">
+              <a:rPr lang="ko-KR" altLang="en-US" sz="1600" b="1" dirty="0">
                 <a:gradFill>
                   <a:gsLst>
                     <a:gs pos="0">
@@ -7103,7 +7008,7 @@
               </a:rPr>
               <a:t>중단한 시점의 모델 사용</a:t>
             </a:r>
-            <a:endParaRPr lang="en-US" altLang="ko-KR" sz="1600" b="1" dirty="0" smtClean="0">
+            <a:endParaRPr lang="en-US" altLang="ko-KR" sz="1600" b="1" dirty="0">
               <a:gradFill>
                 <a:gsLst>
                   <a:gs pos="0">
@@ -7131,13 +7036,6 @@
   <p:clrMapOvr>
     <a:masterClrMapping/>
   </p:clrMapOvr>
-  <p:timing>
-    <p:tnLst>
-      <p:par>
-        <p:cTn id="1" dur="indefinite" restart="never" nodeType="tmRoot"/>
-      </p:par>
-    </p:tnLst>
-  </p:timing>
 </p:sld>
 </file>
 
@@ -7210,24 +7108,17 @@
                 <a:latin typeface="나눔고딕 ExtraBold" panose="020D0904000000000000" pitchFamily="50" charset="-127"/>
                 <a:ea typeface="나눔고딕 ExtraBold" panose="020D0904000000000000" pitchFamily="50" charset="-127"/>
               </a:rPr>
-              <a:t>3</a:t>
-            </a:r>
-            <a:r>
-              <a:rPr lang="en-US" altLang="ko-KR" sz="2800" dirty="0" smtClean="0">
+              <a:t>3. </a:t>
+            </a:r>
+            <a:r>
+              <a:rPr lang="ko-KR" altLang="en-US" sz="2800" dirty="0" err="1">
                 <a:latin typeface="나눔고딕 ExtraBold" panose="020D0904000000000000" pitchFamily="50" charset="-127"/>
                 <a:ea typeface="나눔고딕 ExtraBold" panose="020D0904000000000000" pitchFamily="50" charset="-127"/>
               </a:rPr>
-              <a:t>. </a:t>
-            </a:r>
-            <a:r>
-              <a:rPr lang="ko-KR" altLang="en-US" sz="2800" dirty="0" err="1" smtClean="0">
-                <a:latin typeface="나눔고딕 ExtraBold" panose="020D0904000000000000" pitchFamily="50" charset="-127"/>
-                <a:ea typeface="나눔고딕 ExtraBold" panose="020D0904000000000000" pitchFamily="50" charset="-127"/>
-              </a:rPr>
               <a:t>과적합</a:t>
             </a:r>
             <a:r>
-              <a:rPr lang="ko-KR" altLang="en-US" sz="2800" dirty="0" smtClean="0">
+              <a:rPr lang="ko-KR" altLang="en-US" sz="2800" dirty="0">
                 <a:latin typeface="나눔고딕 ExtraBold" panose="020D0904000000000000" pitchFamily="50" charset="-127"/>
                 <a:ea typeface="나눔고딕 ExtraBold" panose="020D0904000000000000" pitchFamily="50" charset="-127"/>
               </a:rPr>
@@ -7523,7 +7414,7 @@
               <a:defRPr/>
             </a:pPr>
             <a:r>
-              <a:rPr lang="ko-KR" altLang="en-US" sz="2000" b="1" dirty="0" smtClean="0">
+              <a:rPr lang="ko-KR" altLang="en-US" sz="2000" b="1" dirty="0">
                 <a:gradFill>
                   <a:gsLst>
                     <a:gs pos="0">
@@ -7848,7 +7739,7 @@
               <a:defRPr/>
             </a:pPr>
             <a:r>
-              <a:rPr lang="en-US" altLang="ko-KR" sz="1600" b="1" dirty="0" smtClean="0">
+              <a:rPr lang="en-US" altLang="ko-KR" sz="1600" b="1" dirty="0">
                 <a:gradFill>
                   <a:gsLst>
                     <a:gs pos="0">
@@ -7866,7 +7757,7 @@
               <a:t>1988</a:t>
             </a:r>
             <a:r>
-              <a:rPr lang="ko-KR" altLang="en-US" sz="1600" b="1" dirty="0" smtClean="0">
+              <a:rPr lang="ko-KR" altLang="en-US" sz="1600" b="1" dirty="0">
                 <a:gradFill>
                   <a:gsLst>
                     <a:gs pos="0">
@@ -7884,7 +7775,7 @@
               <a:t>년 존스홉킨스대학교의 </a:t>
             </a:r>
             <a:r>
-              <a:rPr lang="ko-KR" altLang="en-US" sz="1600" b="1" dirty="0" err="1" smtClean="0">
+              <a:rPr lang="ko-KR" altLang="en-US" sz="1600" b="1" dirty="0" err="1">
                 <a:gradFill>
                   <a:gsLst>
                     <a:gs pos="0">
@@ -7902,7 +7793,7 @@
               <a:t>세즈노프스키</a:t>
             </a:r>
             <a:r>
-              <a:rPr lang="en-US" altLang="ko-KR" sz="1600" b="1" dirty="0" smtClean="0">
+              <a:rPr lang="en-US" altLang="ko-KR" sz="1600" b="1" dirty="0">
                 <a:gradFill>
                   <a:gsLst>
                     <a:gs pos="0">
@@ -7920,7 +7811,7 @@
               <a:t>(</a:t>
             </a:r>
             <a:r>
-              <a:rPr lang="en-US" altLang="ko-KR" sz="1600" b="1" dirty="0" err="1" smtClean="0">
+              <a:rPr lang="en-US" altLang="ko-KR" sz="1600" b="1" dirty="0" err="1">
                 <a:gradFill>
                   <a:gsLst>
                     <a:gs pos="0">
@@ -7938,7 +7829,7 @@
               <a:t>Sejnowski</a:t>
             </a:r>
             <a:r>
-              <a:rPr lang="en-US" altLang="ko-KR" sz="1600" b="1" dirty="0" smtClean="0">
+              <a:rPr lang="en-US" altLang="ko-KR" sz="1600" b="1" dirty="0">
                 <a:gradFill>
                   <a:gsLst>
                     <a:gs pos="0">
@@ -7956,7 +7847,7 @@
               <a:t>)</a:t>
             </a:r>
             <a:r>
-              <a:rPr lang="ko-KR" altLang="en-US" sz="1600" b="1" dirty="0" smtClean="0">
+              <a:rPr lang="ko-KR" altLang="en-US" sz="1600" b="1" dirty="0">
                 <a:gradFill>
                   <a:gsLst>
                     <a:gs pos="0">
@@ -7973,7 +7864,7 @@
               </a:rPr>
               <a:t> 교수가 공개한 음파 탐지기 데이터</a:t>
             </a:r>
-            <a:endParaRPr lang="en-US" altLang="ko-KR" sz="1600" b="1" dirty="0" smtClean="0">
+            <a:endParaRPr lang="en-US" altLang="ko-KR" sz="1600" b="1" dirty="0">
               <a:gradFill>
                 <a:gsLst>
                   <a:gs pos="0">
@@ -7997,7 +7888,7 @@
               <a:defRPr/>
             </a:pPr>
             <a:r>
-              <a:rPr lang="ko-KR" altLang="en-US" sz="1600" b="1" dirty="0" smtClean="0">
+              <a:rPr lang="ko-KR" altLang="en-US" sz="1600" b="1" dirty="0">
                 <a:gradFill>
                   <a:gsLst>
                     <a:gs pos="0">
@@ -8134,41 +8025,8 @@
                 <a:latin typeface="나눔고딕" panose="020D0604000000000000" pitchFamily="50" charset="-127"/>
                 <a:ea typeface="나눔고딕 ExtraBold"/>
               </a:rPr>
-              <a:t>: </a:t>
-            </a:r>
-            <a:r>
-              <a:rPr lang="en-US" altLang="ko-KR" sz="1600" b="1" dirty="0" smtClean="0">
-                <a:gradFill>
-                  <a:gsLst>
-                    <a:gs pos="0">
-                      <a:srgbClr val="404040"/>
-                    </a:gs>
-                    <a:gs pos="100000">
-                      <a:srgbClr val="404040"/>
-                    </a:gs>
-                  </a:gsLst>
-                  <a:lin ang="5400000" scaled="0"/>
-                </a:gradFill>
-                <a:latin typeface="나눔고딕" panose="020D0604000000000000" pitchFamily="50" charset="-127"/>
-                <a:ea typeface="나눔고딕 ExtraBold"/>
-              </a:rPr>
-              <a:t>208</a:t>
-            </a:r>
-            <a:endParaRPr lang="en-US" altLang="ko-KR" sz="1600" b="1" dirty="0">
-              <a:gradFill>
-                <a:gsLst>
-                  <a:gs pos="0">
-                    <a:srgbClr val="404040"/>
-                  </a:gs>
-                  <a:gs pos="100000">
-                    <a:srgbClr val="404040"/>
-                  </a:gs>
-                </a:gsLst>
-                <a:lin ang="5400000" scaled="0"/>
-              </a:gradFill>
-              <a:latin typeface="나눔고딕" panose="020D0604000000000000" pitchFamily="50" charset="-127"/>
-              <a:ea typeface="나눔고딕 ExtraBold"/>
-            </a:endParaRPr>
+              <a:t>: 208</a:t>
+            </a:r>
           </a:p>
           <a:p>
             <a:pPr latinLnBrk="1">
@@ -8228,41 +8086,8 @@
                 <a:latin typeface="나눔고딕" panose="020D0604000000000000" pitchFamily="50" charset="-127"/>
                 <a:ea typeface="나눔고딕 ExtraBold"/>
               </a:rPr>
-              <a:t>: </a:t>
-            </a:r>
-            <a:r>
-              <a:rPr lang="en-US" altLang="ko-KR" sz="1600" b="1" dirty="0" smtClean="0">
-                <a:gradFill>
-                  <a:gsLst>
-                    <a:gs pos="0">
-                      <a:srgbClr val="404040"/>
-                    </a:gs>
-                    <a:gs pos="100000">
-                      <a:srgbClr val="404040"/>
-                    </a:gs>
-                  </a:gsLst>
-                  <a:lin ang="5400000" scaled="0"/>
-                </a:gradFill>
-                <a:latin typeface="나눔고딕" panose="020D0604000000000000" pitchFamily="50" charset="-127"/>
-                <a:ea typeface="나눔고딕 ExtraBold"/>
-              </a:rPr>
-              <a:t>60</a:t>
-            </a:r>
-            <a:endParaRPr lang="en-US" altLang="ko-KR" sz="1600" b="1" dirty="0">
-              <a:gradFill>
-                <a:gsLst>
-                  <a:gs pos="0">
-                    <a:srgbClr val="404040"/>
-                  </a:gs>
-                  <a:gs pos="100000">
-                    <a:srgbClr val="404040"/>
-                  </a:gs>
-                </a:gsLst>
-                <a:lin ang="5400000" scaled="0"/>
-              </a:gradFill>
-              <a:latin typeface="나눔고딕" panose="020D0604000000000000" pitchFamily="50" charset="-127"/>
-              <a:ea typeface="나눔고딕 ExtraBold"/>
-            </a:endParaRPr>
+              <a:t>: 60</a:t>
+            </a:r>
           </a:p>
           <a:p>
             <a:pPr latinLnBrk="1">
@@ -8271,7 +8096,7 @@
               </a:lnSpc>
             </a:pPr>
             <a:r>
-              <a:rPr lang="en-US" altLang="ko-KR" sz="1600" b="1" dirty="0" smtClean="0">
+              <a:rPr lang="en-US" altLang="ko-KR" sz="1600" b="1" dirty="0">
                 <a:gradFill>
                   <a:gsLst>
                     <a:gs pos="0">
@@ -8307,24 +8132,6 @@
               <a:t> 클래스</a:t>
             </a:r>
             <a:r>
-              <a:rPr lang="en-US" altLang="ko-KR" sz="1600" b="1" dirty="0" smtClean="0">
-                <a:gradFill>
-                  <a:gsLst>
-                    <a:gs pos="0">
-                      <a:srgbClr val="404040"/>
-                    </a:gs>
-                    <a:gs pos="100000">
-                      <a:srgbClr val="404040"/>
-                    </a:gs>
-                  </a:gsLst>
-                  <a:lin ang="5400000" scaled="0"/>
-                </a:gradFill>
-                <a:latin typeface="나눔고딕" panose="020D0604000000000000" pitchFamily="50" charset="-127"/>
-                <a:ea typeface="나눔고딕 ExtraBold"/>
-              </a:rPr>
-              <a:t>:</a:t>
-            </a:r>
-            <a:r>
               <a:rPr lang="en-US" altLang="ko-KR" sz="1600" b="1" dirty="0">
                 <a:gradFill>
                   <a:gsLst>
@@ -8340,10 +8147,10 @@
                 <a:latin typeface="나눔고딕" panose="020D0604000000000000" pitchFamily="50" charset="-127"/>
                 <a:ea typeface="나눔고딕 ExtraBold"/>
               </a:rPr>
-              <a:t> </a:t>
-            </a:r>
-            <a:r>
-              <a:rPr lang="ko-KR" altLang="en-US" sz="1600" b="1" dirty="0" smtClean="0">
+              <a:t>: </a:t>
+            </a:r>
+            <a:r>
+              <a:rPr lang="ko-KR" altLang="en-US" sz="1600" b="1" dirty="0">
                 <a:gradFill>
                   <a:gsLst>
                     <a:gs pos="0">
@@ -8361,7 +8168,7 @@
               <a:t>일반 돌 </a:t>
             </a:r>
             <a:r>
-              <a:rPr lang="en-US" altLang="ko-KR" sz="1600" b="1" dirty="0" smtClean="0">
+              <a:rPr lang="en-US" altLang="ko-KR" sz="1600" b="1" dirty="0">
                 <a:gradFill>
                   <a:gsLst>
                     <a:gs pos="0">
@@ -8401,28 +8208,10 @@
                 <a:latin typeface="나눔고딕" panose="020D0604000000000000" pitchFamily="50" charset="-127"/>
                 <a:ea typeface="나눔고딕 ExtraBold"/>
               </a:rPr>
-              <a:t> </a:t>
-            </a:r>
-            <a:r>
-              <a:rPr lang="en-US" altLang="ko-KR" sz="1600" b="1" dirty="0" smtClean="0">
-                <a:gradFill>
-                  <a:gsLst>
-                    <a:gs pos="0">
-                      <a:srgbClr val="404040"/>
-                    </a:gs>
-                    <a:gs pos="100000">
-                      <a:srgbClr val="404040"/>
-                    </a:gs>
-                  </a:gsLst>
-                  <a:lin ang="5400000" scaled="0"/>
-                </a:gradFill>
-                <a:latin typeface="나눔고딕" panose="020D0604000000000000" pitchFamily="50" charset="-127"/>
-                <a:ea typeface="나눔고딕 ExtraBold"/>
-              </a:rPr>
-              <a:t>                </a:t>
-            </a:r>
-            <a:r>
-              <a:rPr lang="ko-KR" altLang="en-US" sz="1600" b="1" dirty="0" smtClean="0">
+              <a:t>                 </a:t>
+            </a:r>
+            <a:r>
+              <a:rPr lang="ko-KR" altLang="en-US" sz="1600" b="1" dirty="0">
                 <a:gradFill>
                   <a:gsLst>
                     <a:gs pos="0">
@@ -8440,7 +8229,7 @@
               <a:t>광석 </a:t>
             </a:r>
             <a:r>
-              <a:rPr lang="en-US" altLang="ko-KR" sz="1600" b="1" dirty="0" smtClean="0">
+              <a:rPr lang="en-US" altLang="ko-KR" sz="1600" b="1" dirty="0">
                 <a:gradFill>
                   <a:gsLst>
                     <a:gs pos="0">
@@ -8457,21 +8246,6 @@
               </a:rPr>
               <a:t>(M)</a:t>
             </a:r>
-            <a:endParaRPr lang="en-US" altLang="ko-KR" sz="1600" b="1" dirty="0">
-              <a:gradFill>
-                <a:gsLst>
-                  <a:gs pos="0">
-                    <a:srgbClr val="404040"/>
-                  </a:gs>
-                  <a:gs pos="100000">
-                    <a:srgbClr val="404040"/>
-                  </a:gs>
-                </a:gsLst>
-                <a:lin ang="5400000" scaled="0"/>
-              </a:gradFill>
-              <a:latin typeface="나눔고딕" panose="020D0604000000000000" pitchFamily="50" charset="-127"/>
-              <a:ea typeface="나눔고딕 ExtraBold"/>
-            </a:endParaRPr>
           </a:p>
         </p:txBody>
       </p:sp>
@@ -8485,13 +8259,6 @@
   <p:clrMapOvr>
     <a:masterClrMapping/>
   </p:clrMapOvr>
-  <p:timing>
-    <p:tnLst>
-      <p:par>
-        <p:cTn id="1" dur="indefinite" restart="never" nodeType="tmRoot"/>
-      </p:par>
-    </p:tnLst>
-  </p:timing>
 </p:sld>
 </file>
 
@@ -8694,7 +8461,7 @@
               <a:defRPr/>
             </a:pPr>
             <a:r>
-              <a:rPr lang="ko-KR" altLang="en-US" sz="3800" kern="0" dirty="0" smtClean="0">
+              <a:rPr lang="ko-KR" altLang="en-US" sz="3800" kern="0" dirty="0">
                 <a:solidFill>
                   <a:schemeClr val="tx1"/>
                 </a:solidFill>
@@ -8900,7 +8667,7 @@
               <a:defRPr/>
             </a:pPr>
             <a:r>
-              <a:rPr lang="en-US" altLang="ko-KR" sz="3800" kern="0" dirty="0" smtClean="0">
+              <a:rPr lang="en-US" altLang="ko-KR" sz="3800" kern="0" dirty="0">
                 <a:solidFill>
                   <a:srgbClr val="0070C0"/>
                 </a:solidFill>
@@ -8910,7 +8677,7 @@
               </a:rPr>
               <a:t>04.</a:t>
             </a:r>
-            <a:endParaRPr lang="ko-KR" altLang="en-US" sz="3800" kern="0" dirty="0" smtClean="0">
+            <a:endParaRPr lang="ko-KR" altLang="en-US" sz="3800" kern="0" dirty="0">
               <a:solidFill>
                 <a:srgbClr val="0070C0"/>
               </a:solidFill>
@@ -8931,13 +8698,6 @@
   <p:clrMapOvr>
     <a:masterClrMapping/>
   </p:clrMapOvr>
-  <p:timing>
-    <p:tnLst>
-      <p:par>
-        <p:cTn id="1" dur="indefinite" restart="never" nodeType="tmRoot"/>
-      </p:par>
-    </p:tnLst>
-  </p:timing>
 </p:sld>
 </file>
 
@@ -9006,14 +8766,14 @@
               <a:buNone/>
             </a:pPr>
             <a:r>
-              <a:rPr lang="en-US" altLang="ko-KR" sz="2800" dirty="0" smtClean="0">
+              <a:rPr lang="en-US" altLang="ko-KR" sz="2800" dirty="0">
                 <a:latin typeface="나눔고딕 ExtraBold" panose="020D0904000000000000" pitchFamily="50" charset="-127"/>
                 <a:ea typeface="나눔고딕 ExtraBold" panose="020D0904000000000000" pitchFamily="50" charset="-127"/>
               </a:rPr>
               <a:t>4. </a:t>
             </a:r>
             <a:r>
-              <a:rPr lang="ko-KR" altLang="en-US" sz="2800" dirty="0" smtClean="0">
+              <a:rPr lang="ko-KR" altLang="en-US" sz="2800" dirty="0">
                 <a:latin typeface="나눔고딕 ExtraBold" panose="020D0904000000000000" pitchFamily="50" charset="-127"/>
                 <a:ea typeface="나눔고딕 ExtraBold" panose="020D0904000000000000" pitchFamily="50" charset="-127"/>
               </a:rPr>
@@ -9309,7 +9069,7 @@
               <a:defRPr/>
             </a:pPr>
             <a:r>
-              <a:rPr lang="ko-KR" altLang="en-US" sz="2000" b="1" dirty="0" smtClean="0">
+              <a:rPr lang="ko-KR" altLang="en-US" sz="2000" b="1" dirty="0">
                 <a:gradFill>
                   <a:gsLst>
                     <a:gs pos="0">
@@ -9633,7 +9393,7 @@
               <a:defRPr/>
             </a:pPr>
             <a:r>
-              <a:rPr lang="ko-KR" altLang="en-US" sz="1600" b="1" dirty="0" smtClean="0">
+              <a:rPr lang="ko-KR" altLang="en-US" sz="1600" b="1" dirty="0">
                 <a:gradFill>
                   <a:gsLst>
                     <a:gs pos="0">
@@ -9650,7 +9410,7 @@
               </a:rPr>
               <a:t>포도로 만든 와인은 고대 그리스 로마 시대부터 서양 음식의 기본이 된 오랜 양조주</a:t>
             </a:r>
-            <a:endParaRPr lang="en-US" altLang="ko-KR" sz="1600" b="1" dirty="0" smtClean="0">
+            <a:endParaRPr lang="en-US" altLang="ko-KR" sz="1600" b="1" dirty="0">
               <a:gradFill>
                 <a:gsLst>
                   <a:gs pos="0">
@@ -9673,7 +9433,7 @@
               <a:defRPr/>
             </a:pPr>
             <a:r>
-              <a:rPr lang="ko-KR" altLang="en-US" sz="1600" b="1" dirty="0" smtClean="0">
+              <a:rPr lang="ko-KR" altLang="en-US" sz="1600" b="1" dirty="0">
                 <a:gradFill>
                   <a:gsLst>
                     <a:gs pos="0">
@@ -9690,7 +9450,7 @@
               </a:rPr>
               <a:t>빛깔에 따라 맑고 투명한 화이트 와인</a:t>
             </a:r>
-            <a:endParaRPr lang="en-US" altLang="ko-KR" sz="1600" b="1" dirty="0" smtClean="0">
+            <a:endParaRPr lang="en-US" altLang="ko-KR" sz="1600" b="1" dirty="0">
               <a:gradFill>
                 <a:gsLst>
                   <a:gs pos="0">
@@ -9713,7 +9473,7 @@
               <a:defRPr/>
             </a:pPr>
             <a:r>
-              <a:rPr lang="ko-KR" altLang="en-US" sz="1600" b="1" dirty="0" smtClean="0">
+              <a:rPr lang="ko-KR" altLang="en-US" sz="1600" b="1" dirty="0">
                 <a:gradFill>
                   <a:gsLst>
                     <a:gs pos="0">
@@ -9730,7 +9490,7 @@
               </a:rPr>
               <a:t>붉은색을 띠는 레드 와인</a:t>
             </a:r>
-            <a:endParaRPr lang="en-US" altLang="ko-KR" sz="1600" b="1" dirty="0" smtClean="0">
+            <a:endParaRPr lang="en-US" altLang="ko-KR" sz="1600" b="1" dirty="0">
               <a:gradFill>
                 <a:gsLst>
                   <a:gs pos="0">
@@ -9753,7 +9513,7 @@
               <a:defRPr/>
             </a:pPr>
             <a:r>
-              <a:rPr lang="ko-KR" altLang="en-US" sz="1600" b="1" dirty="0" smtClean="0">
+              <a:rPr lang="ko-KR" altLang="en-US" sz="1600" b="1" dirty="0">
                 <a:gradFill>
                   <a:gsLst>
                     <a:gs pos="0">
@@ -9771,7 +9531,7 @@
               <a:t>포르투갈 서북쪽의 </a:t>
             </a:r>
             <a:r>
-              <a:rPr lang="ko-KR" altLang="en-US" sz="1600" b="1" dirty="0" err="1" smtClean="0">
+              <a:rPr lang="ko-KR" altLang="en-US" sz="1600" b="1" dirty="0" err="1">
                 <a:gradFill>
                   <a:gsLst>
                     <a:gs pos="0">
@@ -9789,7 +9549,7 @@
               <a:t>비뉴</a:t>
             </a:r>
             <a:r>
-              <a:rPr lang="ko-KR" altLang="en-US" sz="1600" b="1" dirty="0" smtClean="0">
+              <a:rPr lang="ko-KR" altLang="en-US" sz="1600" b="1" dirty="0">
                 <a:gradFill>
                   <a:gsLst>
                     <a:gs pos="0">
@@ -9807,7 +9567,7 @@
               <a:t> </a:t>
             </a:r>
             <a:r>
-              <a:rPr lang="ko-KR" altLang="en-US" sz="1600" b="1" dirty="0" err="1" smtClean="0">
+              <a:rPr lang="ko-KR" altLang="en-US" sz="1600" b="1" dirty="0" err="1">
                 <a:gradFill>
                   <a:gsLst>
                     <a:gs pos="0">
@@ -9825,7 +9585,7 @@
               <a:t>베르드</a:t>
             </a:r>
             <a:r>
-              <a:rPr lang="ko-KR" altLang="en-US" sz="1600" b="1" dirty="0" smtClean="0">
+              <a:rPr lang="ko-KR" altLang="en-US" sz="1600" b="1" dirty="0">
                 <a:gradFill>
                   <a:gsLst>
                     <a:gs pos="0">
@@ -9842,7 +9602,7 @@
               </a:rPr>
               <a:t> 지방에서 만들어진 와인을 측정한 데이터</a:t>
             </a:r>
-            <a:endParaRPr lang="en-US" altLang="ko-KR" sz="1600" b="1" dirty="0" smtClean="0">
+            <a:endParaRPr lang="en-US" altLang="ko-KR" sz="1600" b="1" dirty="0">
               <a:gradFill>
                 <a:gsLst>
                   <a:gs pos="0">
@@ -10147,7 +9907,7 @@
               <a:defRPr/>
             </a:pPr>
             <a:r>
-              <a:rPr lang="ko-KR" altLang="en-US" sz="1600" b="1" dirty="0" smtClean="0">
+              <a:rPr lang="ko-KR" altLang="en-US" sz="1600" b="1" dirty="0">
                 <a:gradFill>
                   <a:gsLst>
                     <a:gs pos="0">
@@ -10165,7 +9925,7 @@
               <a:t>등급과 맛</a:t>
             </a:r>
             <a:r>
-              <a:rPr lang="en-US" altLang="ko-KR" sz="1600" b="1" dirty="0" smtClean="0">
+              <a:rPr lang="en-US" altLang="ko-KR" sz="1600" b="1" dirty="0">
                 <a:gradFill>
                   <a:gsLst>
                     <a:gs pos="0">
@@ -10183,7 +9943,7 @@
               <a:t>, </a:t>
             </a:r>
             <a:r>
-              <a:rPr lang="ko-KR" altLang="en-US" sz="1600" b="1" dirty="0" smtClean="0">
+              <a:rPr lang="ko-KR" altLang="en-US" sz="1600" b="1" dirty="0">
                 <a:gradFill>
                   <a:gsLst>
                     <a:gs pos="0">
@@ -10201,7 +9961,7 @@
               <a:t>산도에 따라 레드와인인지 화이트와인인지 구분해 보자</a:t>
             </a:r>
             <a:r>
-              <a:rPr lang="en-US" altLang="ko-KR" sz="1600" b="1" dirty="0" smtClean="0">
+              <a:rPr lang="en-US" altLang="ko-KR" sz="1600" b="1" dirty="0">
                 <a:gradFill>
                   <a:gsLst>
                     <a:gs pos="0">
@@ -10272,13 +10032,6 @@
   <p:clrMapOvr>
     <a:masterClrMapping/>
   </p:clrMapOvr>
-  <p:timing>
-    <p:tnLst>
-      <p:par>
-        <p:cTn id="1" dur="indefinite" restart="never" nodeType="tmRoot"/>
-      </p:par>
-    </p:tnLst>
-  </p:timing>
 </p:sld>
 </file>
 
@@ -10347,14 +10100,14 @@
               <a:buNone/>
             </a:pPr>
             <a:r>
-              <a:rPr lang="en-US" altLang="ko-KR" sz="2800" dirty="0" smtClean="0">
+              <a:rPr lang="en-US" altLang="ko-KR" sz="2800" dirty="0">
                 <a:latin typeface="나눔고딕 ExtraBold" panose="020D0904000000000000" pitchFamily="50" charset="-127"/>
                 <a:ea typeface="나눔고딕 ExtraBold" panose="020D0904000000000000" pitchFamily="50" charset="-127"/>
               </a:rPr>
               <a:t>4. </a:t>
             </a:r>
             <a:r>
-              <a:rPr lang="ko-KR" altLang="en-US" sz="2800" dirty="0" smtClean="0">
+              <a:rPr lang="ko-KR" altLang="en-US" sz="2800" dirty="0">
                 <a:latin typeface="나눔고딕 ExtraBold" panose="020D0904000000000000" pitchFamily="50" charset="-127"/>
                 <a:ea typeface="나눔고딕 ExtraBold" panose="020D0904000000000000" pitchFamily="50" charset="-127"/>
               </a:rPr>
@@ -10650,7 +10403,7 @@
               <a:defRPr/>
             </a:pPr>
             <a:r>
-              <a:rPr lang="ko-KR" altLang="en-US" sz="2000" b="1" dirty="0" smtClean="0">
+              <a:rPr lang="ko-KR" altLang="en-US" sz="2000" b="1" dirty="0">
                 <a:gradFill>
                   <a:gsLst>
                     <a:gs pos="0">
@@ -10787,41 +10540,8 @@
                 <a:latin typeface="나눔고딕" panose="020D0604000000000000" pitchFamily="50" charset="-127"/>
                 <a:ea typeface="나눔고딕 ExtraBold"/>
               </a:rPr>
-              <a:t>: </a:t>
-            </a:r>
-            <a:r>
-              <a:rPr lang="en-US" altLang="ko-KR" sz="1600" b="1" dirty="0" smtClean="0">
-                <a:gradFill>
-                  <a:gsLst>
-                    <a:gs pos="0">
-                      <a:srgbClr val="404040"/>
-                    </a:gs>
-                    <a:gs pos="100000">
-                      <a:srgbClr val="404040"/>
-                    </a:gs>
-                  </a:gsLst>
-                  <a:lin ang="5400000" scaled="0"/>
-                </a:gradFill>
-                <a:latin typeface="나눔고딕" panose="020D0604000000000000" pitchFamily="50" charset="-127"/>
-                <a:ea typeface="나눔고딕 ExtraBold"/>
-              </a:rPr>
-              <a:t>6497</a:t>
-            </a:r>
-            <a:endParaRPr lang="en-US" altLang="ko-KR" sz="1600" b="1" dirty="0">
-              <a:gradFill>
-                <a:gsLst>
-                  <a:gs pos="0">
-                    <a:srgbClr val="404040"/>
-                  </a:gs>
-                  <a:gs pos="100000">
-                    <a:srgbClr val="404040"/>
-                  </a:gs>
-                </a:gsLst>
-                <a:lin ang="5400000" scaled="0"/>
-              </a:gradFill>
-              <a:latin typeface="나눔고딕" panose="020D0604000000000000" pitchFamily="50" charset="-127"/>
-              <a:ea typeface="나눔고딕 ExtraBold"/>
-            </a:endParaRPr>
+              <a:t>: 6497</a:t>
+            </a:r>
           </a:p>
           <a:p>
             <a:pPr latinLnBrk="1">
@@ -10881,41 +10601,8 @@
                 <a:latin typeface="나눔고딕" panose="020D0604000000000000" pitchFamily="50" charset="-127"/>
                 <a:ea typeface="나눔고딕 ExtraBold"/>
               </a:rPr>
-              <a:t>: </a:t>
-            </a:r>
-            <a:r>
-              <a:rPr lang="en-US" altLang="ko-KR" sz="1600" b="1" dirty="0" smtClean="0">
-                <a:gradFill>
-                  <a:gsLst>
-                    <a:gs pos="0">
-                      <a:srgbClr val="404040"/>
-                    </a:gs>
-                    <a:gs pos="100000">
-                      <a:srgbClr val="404040"/>
-                    </a:gs>
-                  </a:gsLst>
-                  <a:lin ang="5400000" scaled="0"/>
-                </a:gradFill>
-                <a:latin typeface="나눔고딕" panose="020D0604000000000000" pitchFamily="50" charset="-127"/>
-                <a:ea typeface="나눔고딕 ExtraBold"/>
-              </a:rPr>
-              <a:t>12</a:t>
-            </a:r>
-            <a:endParaRPr lang="en-US" altLang="ko-KR" sz="1600" b="1" dirty="0">
-              <a:gradFill>
-                <a:gsLst>
-                  <a:gs pos="0">
-                    <a:srgbClr val="404040"/>
-                  </a:gs>
-                  <a:gs pos="100000">
-                    <a:srgbClr val="404040"/>
-                  </a:gs>
-                </a:gsLst>
-                <a:lin ang="5400000" scaled="0"/>
-              </a:gradFill>
-              <a:latin typeface="나눔고딕" panose="020D0604000000000000" pitchFamily="50" charset="-127"/>
-              <a:ea typeface="나눔고딕 ExtraBold"/>
-            </a:endParaRPr>
+              <a:t>: 12</a:t>
+            </a:r>
           </a:p>
           <a:p>
             <a:pPr latinLnBrk="1">
@@ -10924,7 +10611,7 @@
               </a:lnSpc>
             </a:pPr>
             <a:r>
-              <a:rPr lang="en-US" altLang="ko-KR" sz="1200" dirty="0" smtClean="0">
+              <a:rPr lang="en-US" altLang="ko-KR" sz="1200" dirty="0">
                 <a:gradFill>
                   <a:gsLst>
                     <a:gs pos="0">
@@ -10978,7 +10665,7 @@
               <a:t>1: </a:t>
             </a:r>
             <a:r>
-              <a:rPr lang="ko-KR" altLang="en-US" sz="1200" dirty="0" smtClean="0">
+              <a:rPr lang="ko-KR" altLang="en-US" sz="1200" dirty="0">
                 <a:gradFill>
                   <a:gsLst>
                     <a:gs pos="0">
@@ -10994,194 +10681,6 @@
                 <a:ea typeface="나눔고딕 ExtraBold"/>
               </a:rPr>
               <a:t>주석산</a:t>
-            </a:r>
-            <a:endParaRPr lang="en-US" altLang="ko-KR" sz="1200" dirty="0" smtClean="0">
-              <a:gradFill>
-                <a:gsLst>
-                  <a:gs pos="0">
-                    <a:srgbClr val="404040"/>
-                  </a:gs>
-                  <a:gs pos="100000">
-                    <a:srgbClr val="404040"/>
-                  </a:gs>
-                </a:gsLst>
-                <a:lin ang="5400000" scaled="0"/>
-              </a:gradFill>
-              <a:latin typeface="나눔고딕" panose="020D0604000000000000" pitchFamily="50" charset="-127"/>
-              <a:ea typeface="나눔고딕 ExtraBold"/>
-            </a:endParaRPr>
-          </a:p>
-          <a:p>
-            <a:pPr latinLnBrk="1">
-              <a:lnSpc>
-                <a:spcPct val="150000"/>
-              </a:lnSpc>
-            </a:pPr>
-            <a:r>
-              <a:rPr lang="en-US" altLang="ko-KR" sz="1200" dirty="0" smtClean="0">
-                <a:gradFill>
-                  <a:gsLst>
-                    <a:gs pos="0">
-                      <a:srgbClr val="404040"/>
-                    </a:gs>
-                    <a:gs pos="100000">
-                      <a:srgbClr val="404040"/>
-                    </a:gs>
-                  </a:gsLst>
-                  <a:lin ang="5400000" scaled="0"/>
-                </a:gradFill>
-                <a:latin typeface="나눔고딕" panose="020D0604000000000000" pitchFamily="50" charset="-127"/>
-                <a:ea typeface="나눔고딕 ExtraBold"/>
-              </a:rPr>
-              <a:t>     - </a:t>
-            </a:r>
-            <a:r>
-              <a:rPr lang="ko-KR" altLang="en-US" sz="1200" dirty="0" smtClean="0">
-                <a:gradFill>
-                  <a:gsLst>
-                    <a:gs pos="0">
-                      <a:srgbClr val="404040"/>
-                    </a:gs>
-                    <a:gs pos="100000">
-                      <a:srgbClr val="404040"/>
-                    </a:gs>
-                  </a:gsLst>
-                  <a:lin ang="5400000" scaled="0"/>
-                </a:gradFill>
-                <a:latin typeface="나눔고딕" panose="020D0604000000000000" pitchFamily="50" charset="-127"/>
-                <a:ea typeface="나눔고딕 ExtraBold"/>
-              </a:rPr>
-              <a:t>정보 </a:t>
-            </a:r>
-            <a:r>
-              <a:rPr lang="en-US" altLang="ko-KR" sz="1200" dirty="0" smtClean="0">
-                <a:gradFill>
-                  <a:gsLst>
-                    <a:gs pos="0">
-                      <a:srgbClr val="404040"/>
-                    </a:gs>
-                    <a:gs pos="100000">
-                      <a:srgbClr val="404040"/>
-                    </a:gs>
-                  </a:gsLst>
-                  <a:lin ang="5400000" scaled="0"/>
-                </a:gradFill>
-                <a:latin typeface="나눔고딕" panose="020D0604000000000000" pitchFamily="50" charset="-127"/>
-                <a:ea typeface="나눔고딕 ExtraBold"/>
-              </a:rPr>
-              <a:t>2:</a:t>
-            </a:r>
-            <a:r>
-              <a:rPr lang="ko-KR" altLang="en-US" sz="1200" dirty="0" smtClean="0">
-                <a:gradFill>
-                  <a:gsLst>
-                    <a:gs pos="0">
-                      <a:srgbClr val="404040"/>
-                    </a:gs>
-                    <a:gs pos="100000">
-                      <a:srgbClr val="404040"/>
-                    </a:gs>
-                  </a:gsLst>
-                  <a:lin ang="5400000" scaled="0"/>
-                </a:gradFill>
-                <a:latin typeface="나눔고딕" panose="020D0604000000000000" pitchFamily="50" charset="-127"/>
-                <a:ea typeface="나눔고딕 ExtraBold"/>
-              </a:rPr>
-              <a:t>아세트산 농도    </a:t>
-            </a:r>
-            <a:endParaRPr lang="en-US" altLang="ko-KR" sz="1200" dirty="0" smtClean="0">
-              <a:gradFill>
-                <a:gsLst>
-                  <a:gs pos="0">
-                    <a:srgbClr val="404040"/>
-                  </a:gs>
-                  <a:gs pos="100000">
-                    <a:srgbClr val="404040"/>
-                  </a:gs>
-                </a:gsLst>
-                <a:lin ang="5400000" scaled="0"/>
-              </a:gradFill>
-              <a:latin typeface="나눔고딕" panose="020D0604000000000000" pitchFamily="50" charset="-127"/>
-              <a:ea typeface="나눔고딕 ExtraBold"/>
-            </a:endParaRPr>
-          </a:p>
-          <a:p>
-            <a:pPr latinLnBrk="1">
-              <a:lnSpc>
-                <a:spcPct val="150000"/>
-              </a:lnSpc>
-            </a:pPr>
-            <a:r>
-              <a:rPr lang="en-US" altLang="ko-KR" sz="1200" dirty="0" smtClean="0">
-                <a:gradFill>
-                  <a:gsLst>
-                    <a:gs pos="0">
-                      <a:srgbClr val="404040"/>
-                    </a:gs>
-                    <a:gs pos="100000">
-                      <a:srgbClr val="404040"/>
-                    </a:gs>
-                  </a:gsLst>
-                  <a:lin ang="5400000" scaled="0"/>
-                </a:gradFill>
-                <a:latin typeface="나눔고딕" panose="020D0604000000000000" pitchFamily="50" charset="-127"/>
-                <a:ea typeface="나눔고딕 ExtraBold"/>
-              </a:rPr>
-              <a:t>     - </a:t>
-            </a:r>
-            <a:r>
-              <a:rPr lang="ko-KR" altLang="en-US" sz="1200" dirty="0">
-                <a:gradFill>
-                  <a:gsLst>
-                    <a:gs pos="0">
-                      <a:srgbClr val="404040"/>
-                    </a:gs>
-                    <a:gs pos="100000">
-                      <a:srgbClr val="404040"/>
-                    </a:gs>
-                  </a:gsLst>
-                  <a:lin ang="5400000" scaled="0"/>
-                </a:gradFill>
-                <a:latin typeface="나눔고딕" panose="020D0604000000000000" pitchFamily="50" charset="-127"/>
-                <a:ea typeface="나눔고딕 ExtraBold"/>
-              </a:rPr>
-              <a:t>정보 </a:t>
-            </a:r>
-            <a:r>
-              <a:rPr lang="en-US" altLang="ko-KR" sz="1200" dirty="0">
-                <a:gradFill>
-                  <a:gsLst>
-                    <a:gs pos="0">
-                      <a:srgbClr val="404040"/>
-                    </a:gs>
-                    <a:gs pos="100000">
-                      <a:srgbClr val="404040"/>
-                    </a:gs>
-                  </a:gsLst>
-                  <a:lin ang="5400000" scaled="0"/>
-                </a:gradFill>
-                <a:latin typeface="나눔고딕" panose="020D0604000000000000" pitchFamily="50" charset="-127"/>
-                <a:ea typeface="나눔고딕 ExtraBold"/>
-              </a:rPr>
-              <a:t>3: </a:t>
-            </a:r>
-            <a:r>
-              <a:rPr lang="ko-KR" altLang="en-US" sz="1200" dirty="0" smtClean="0">
-                <a:gradFill>
-                  <a:gsLst>
-                    <a:gs pos="0">
-                      <a:srgbClr val="404040"/>
-                    </a:gs>
-                    <a:gs pos="100000">
-                      <a:srgbClr val="404040"/>
-                    </a:gs>
-                  </a:gsLst>
-                  <a:lin ang="5400000" scaled="0"/>
-                </a:gradFill>
-                <a:latin typeface="나눔고딕" panose="020D0604000000000000" pitchFamily="50" charset="-127"/>
-                <a:ea typeface="나눔고딕 ExtraBold"/>
-              </a:rPr>
-              <a:t>구연산 농도</a:t>
             </a:r>
             <a:endParaRPr lang="en-US" altLang="ko-KR" sz="1200" dirty="0">
               <a:gradFill>
@@ -11206,7 +10705,7 @@
               </a:lnSpc>
             </a:pPr>
             <a:r>
-              <a:rPr lang="en-US" altLang="ko-KR" sz="1200" dirty="0" smtClean="0">
+              <a:rPr lang="en-US" altLang="ko-KR" sz="1200" dirty="0">
                 <a:gradFill>
                   <a:gsLst>
                     <a:gs pos="0">
@@ -11257,45 +10756,27 @@
                 <a:latin typeface="나눔고딕" panose="020D0604000000000000" pitchFamily="50" charset="-127"/>
                 <a:ea typeface="나눔고딕 ExtraBold"/>
               </a:rPr>
-              <a:t>4</a:t>
-            </a:r>
-            <a:r>
-              <a:rPr lang="en-US" altLang="ko-KR" sz="1200" dirty="0" smtClean="0">
-                <a:gradFill>
-                  <a:gsLst>
-                    <a:gs pos="0">
-                      <a:srgbClr val="404040"/>
-                    </a:gs>
-                    <a:gs pos="100000">
-                      <a:srgbClr val="404040"/>
-                    </a:gs>
-                  </a:gsLst>
-                  <a:lin ang="5400000" scaled="0"/>
-                </a:gradFill>
-                <a:latin typeface="나눔고딕" panose="020D0604000000000000" pitchFamily="50" charset="-127"/>
-                <a:ea typeface="나눔고딕 ExtraBold"/>
-              </a:rPr>
-              <a:t>: </a:t>
-            </a:r>
-            <a:r>
-              <a:rPr lang="ko-KR" altLang="en-US" sz="1200" dirty="0" smtClean="0">
-                <a:gradFill>
-                  <a:gsLst>
-                    <a:gs pos="0">
-                      <a:srgbClr val="404040"/>
-                    </a:gs>
-                    <a:gs pos="100000">
-                      <a:srgbClr val="404040"/>
-                    </a:gs>
-                  </a:gsLst>
-                  <a:lin ang="5400000" scaled="0"/>
-                </a:gradFill>
-                <a:latin typeface="나눔고딕" panose="020D0604000000000000" pitchFamily="50" charset="-127"/>
-                <a:ea typeface="나눔고딕 ExtraBold"/>
-              </a:rPr>
-              <a:t>잔류 당분 농도</a:t>
-            </a:r>
-            <a:endParaRPr lang="en-US" altLang="ko-KR" sz="1200" dirty="0" smtClean="0">
+              <a:t>2:</a:t>
+            </a:r>
+            <a:r>
+              <a:rPr lang="ko-KR" altLang="en-US" sz="1200" dirty="0">
+                <a:gradFill>
+                  <a:gsLst>
+                    <a:gs pos="0">
+                      <a:srgbClr val="404040"/>
+                    </a:gs>
+                    <a:gs pos="100000">
+                      <a:srgbClr val="404040"/>
+                    </a:gs>
+                  </a:gsLst>
+                  <a:lin ang="5400000" scaled="0"/>
+                </a:gradFill>
+                <a:latin typeface="나눔고딕" panose="020D0604000000000000" pitchFamily="50" charset="-127"/>
+                <a:ea typeface="나눔고딕 ExtraBold"/>
+              </a:rPr>
+              <a:t>아세트산 농도    </a:t>
+            </a:r>
+            <a:endParaRPr lang="en-US" altLang="ko-KR" sz="1200" dirty="0">
               <a:gradFill>
                 <a:gsLst>
                   <a:gs pos="0">
@@ -11318,132 +10799,78 @@
               </a:lnSpc>
             </a:pPr>
             <a:r>
-              <a:rPr lang="en-US" altLang="ko-KR" sz="1600" b="1" dirty="0" smtClean="0">
-                <a:gradFill>
-                  <a:gsLst>
-                    <a:gs pos="0">
-                      <a:srgbClr val="404040"/>
-                    </a:gs>
-                    <a:gs pos="100000">
-                      <a:srgbClr val="404040"/>
-                    </a:gs>
-                  </a:gsLst>
-                  <a:lin ang="5400000" scaled="0"/>
-                </a:gradFill>
-                <a:latin typeface="나눔고딕" panose="020D0604000000000000" pitchFamily="50" charset="-127"/>
-                <a:ea typeface="나눔고딕 ExtraBold"/>
-              </a:rPr>
-              <a:t>•</a:t>
-            </a:r>
-            <a:r>
-              <a:rPr lang="ko-KR" altLang="en-US" sz="1600" b="1" dirty="0">
-                <a:gradFill>
-                  <a:gsLst>
-                    <a:gs pos="0">
-                      <a:srgbClr val="404040"/>
-                    </a:gs>
-                    <a:gs pos="100000">
-                      <a:srgbClr val="404040"/>
-                    </a:gs>
-                  </a:gsLst>
-                  <a:lin ang="5400000" scaled="0"/>
-                </a:gradFill>
-                <a:latin typeface="나눔고딕" panose="020D0604000000000000" pitchFamily="50" charset="-127"/>
-                <a:ea typeface="나눔고딕 ExtraBold"/>
-              </a:rPr>
-              <a:t> 클래스</a:t>
-            </a:r>
-            <a:r>
-              <a:rPr lang="en-US" altLang="ko-KR" sz="1600" b="1" dirty="0" smtClean="0">
-                <a:gradFill>
-                  <a:gsLst>
-                    <a:gs pos="0">
-                      <a:srgbClr val="404040"/>
-                    </a:gs>
-                    <a:gs pos="100000">
-                      <a:srgbClr val="404040"/>
-                    </a:gs>
-                  </a:gsLst>
-                  <a:lin ang="5400000" scaled="0"/>
-                </a:gradFill>
-                <a:latin typeface="나눔고딕" panose="020D0604000000000000" pitchFamily="50" charset="-127"/>
-                <a:ea typeface="나눔고딕 ExtraBold"/>
-              </a:rPr>
-              <a:t>: class(1: </a:t>
-            </a:r>
-            <a:r>
-              <a:rPr lang="ko-KR" altLang="en-US" sz="1600" b="1" dirty="0" err="1" smtClean="0">
-                <a:gradFill>
-                  <a:gsLst>
-                    <a:gs pos="0">
-                      <a:srgbClr val="404040"/>
-                    </a:gs>
-                    <a:gs pos="100000">
-                      <a:srgbClr val="404040"/>
-                    </a:gs>
-                  </a:gsLst>
-                  <a:lin ang="5400000" scaled="0"/>
-                </a:gradFill>
-                <a:latin typeface="나눔고딕" panose="020D0604000000000000" pitchFamily="50" charset="-127"/>
-                <a:ea typeface="나눔고딕 ExtraBold"/>
-              </a:rPr>
-              <a:t>레드와인</a:t>
-            </a:r>
-            <a:r>
-              <a:rPr lang="en-US" altLang="ko-KR" sz="1600" b="1" dirty="0" smtClean="0">
-                <a:gradFill>
-                  <a:gsLst>
-                    <a:gs pos="0">
-                      <a:srgbClr val="404040"/>
-                    </a:gs>
-                    <a:gs pos="100000">
-                      <a:srgbClr val="404040"/>
-                    </a:gs>
-                  </a:gsLst>
-                  <a:lin ang="5400000" scaled="0"/>
-                </a:gradFill>
-                <a:latin typeface="나눔고딕" panose="020D0604000000000000" pitchFamily="50" charset="-127"/>
-                <a:ea typeface="나눔고딕 ExtraBold"/>
-              </a:rPr>
-              <a:t>, 0: </a:t>
-            </a:r>
-            <a:r>
-              <a:rPr lang="ko-KR" altLang="en-US" sz="1600" b="1" dirty="0" smtClean="0">
-                <a:gradFill>
-                  <a:gsLst>
-                    <a:gs pos="0">
-                      <a:srgbClr val="404040"/>
-                    </a:gs>
-                    <a:gs pos="100000">
-                      <a:srgbClr val="404040"/>
-                    </a:gs>
-                  </a:gsLst>
-                  <a:lin ang="5400000" scaled="0"/>
-                </a:gradFill>
-                <a:latin typeface="나눔고딕" panose="020D0604000000000000" pitchFamily="50" charset="-127"/>
-                <a:ea typeface="나눔고딕 ExtraBold"/>
-              </a:rPr>
-              <a:t>화이트와인</a:t>
-            </a:r>
-            <a:r>
-              <a:rPr lang="en-US" altLang="ko-KR" sz="1600" b="1" dirty="0" smtClean="0">
-                <a:gradFill>
-                  <a:gsLst>
-                    <a:gs pos="0">
-                      <a:srgbClr val="404040"/>
-                    </a:gs>
-                    <a:gs pos="100000">
-                      <a:srgbClr val="404040"/>
-                    </a:gs>
-                  </a:gsLst>
-                  <a:lin ang="5400000" scaled="0"/>
-                </a:gradFill>
-                <a:latin typeface="나눔고딕" panose="020D0604000000000000" pitchFamily="50" charset="-127"/>
-                <a:ea typeface="나눔고딕 ExtraBold"/>
-              </a:rPr>
-              <a:t>)</a:t>
-            </a:r>
-            <a:endParaRPr lang="en-US" altLang="ko-KR" sz="1600" b="1" dirty="0">
+              <a:rPr lang="en-US" altLang="ko-KR" sz="1200" dirty="0">
+                <a:gradFill>
+                  <a:gsLst>
+                    <a:gs pos="0">
+                      <a:srgbClr val="404040"/>
+                    </a:gs>
+                    <a:gs pos="100000">
+                      <a:srgbClr val="404040"/>
+                    </a:gs>
+                  </a:gsLst>
+                  <a:lin ang="5400000" scaled="0"/>
+                </a:gradFill>
+                <a:latin typeface="나눔고딕" panose="020D0604000000000000" pitchFamily="50" charset="-127"/>
+                <a:ea typeface="나눔고딕 ExtraBold"/>
+              </a:rPr>
+              <a:t>     - </a:t>
+            </a:r>
+            <a:r>
+              <a:rPr lang="ko-KR" altLang="en-US" sz="1200" dirty="0">
+                <a:gradFill>
+                  <a:gsLst>
+                    <a:gs pos="0">
+                      <a:srgbClr val="404040"/>
+                    </a:gs>
+                    <a:gs pos="100000">
+                      <a:srgbClr val="404040"/>
+                    </a:gs>
+                  </a:gsLst>
+                  <a:lin ang="5400000" scaled="0"/>
+                </a:gradFill>
+                <a:latin typeface="나눔고딕" panose="020D0604000000000000" pitchFamily="50" charset="-127"/>
+                <a:ea typeface="나눔고딕 ExtraBold"/>
+              </a:rPr>
+              <a:t>정보 </a:t>
+            </a:r>
+            <a:r>
+              <a:rPr lang="en-US" altLang="ko-KR" sz="1200" dirty="0">
+                <a:gradFill>
+                  <a:gsLst>
+                    <a:gs pos="0">
+                      <a:srgbClr val="404040"/>
+                    </a:gs>
+                    <a:gs pos="100000">
+                      <a:srgbClr val="404040"/>
+                    </a:gs>
+                  </a:gsLst>
+                  <a:lin ang="5400000" scaled="0"/>
+                </a:gradFill>
+                <a:latin typeface="나눔고딕" panose="020D0604000000000000" pitchFamily="50" charset="-127"/>
+                <a:ea typeface="나눔고딕 ExtraBold"/>
+              </a:rPr>
+              <a:t>3: </a:t>
+            </a:r>
+            <a:r>
+              <a:rPr lang="ko-KR" altLang="en-US" sz="1200" dirty="0">
+                <a:gradFill>
+                  <a:gsLst>
+                    <a:gs pos="0">
+                      <a:srgbClr val="404040"/>
+                    </a:gs>
+                    <a:gs pos="100000">
+                      <a:srgbClr val="404040"/>
+                    </a:gs>
+                  </a:gsLst>
+                  <a:lin ang="5400000" scaled="0"/>
+                </a:gradFill>
+                <a:latin typeface="나눔고딕" panose="020D0604000000000000" pitchFamily="50" charset="-127"/>
+                <a:ea typeface="나눔고딕 ExtraBold"/>
+              </a:rPr>
+              <a:t>구연산 농도</a:t>
+            </a:r>
+            <a:endParaRPr lang="en-US" altLang="ko-KR" sz="1200" dirty="0">
               <a:gradFill>
                 <a:gsLst>
                   <a:gs pos="0">
@@ -11458,6 +10885,233 @@
               <a:latin typeface="나눔고딕" panose="020D0604000000000000" pitchFamily="50" charset="-127"/>
               <a:ea typeface="나눔고딕 ExtraBold"/>
             </a:endParaRPr>
+          </a:p>
+          <a:p>
+            <a:pPr latinLnBrk="1">
+              <a:lnSpc>
+                <a:spcPct val="150000"/>
+              </a:lnSpc>
+            </a:pPr>
+            <a:r>
+              <a:rPr lang="en-US" altLang="ko-KR" sz="1200" dirty="0">
+                <a:gradFill>
+                  <a:gsLst>
+                    <a:gs pos="0">
+                      <a:srgbClr val="404040"/>
+                    </a:gs>
+                    <a:gs pos="100000">
+                      <a:srgbClr val="404040"/>
+                    </a:gs>
+                  </a:gsLst>
+                  <a:lin ang="5400000" scaled="0"/>
+                </a:gradFill>
+                <a:latin typeface="나눔고딕" panose="020D0604000000000000" pitchFamily="50" charset="-127"/>
+                <a:ea typeface="나눔고딕 ExtraBold"/>
+              </a:rPr>
+              <a:t>     - </a:t>
+            </a:r>
+            <a:r>
+              <a:rPr lang="ko-KR" altLang="en-US" sz="1200" dirty="0">
+                <a:gradFill>
+                  <a:gsLst>
+                    <a:gs pos="0">
+                      <a:srgbClr val="404040"/>
+                    </a:gs>
+                    <a:gs pos="100000">
+                      <a:srgbClr val="404040"/>
+                    </a:gs>
+                  </a:gsLst>
+                  <a:lin ang="5400000" scaled="0"/>
+                </a:gradFill>
+                <a:latin typeface="나눔고딕" panose="020D0604000000000000" pitchFamily="50" charset="-127"/>
+                <a:ea typeface="나눔고딕 ExtraBold"/>
+              </a:rPr>
+              <a:t>정보 </a:t>
+            </a:r>
+            <a:r>
+              <a:rPr lang="en-US" altLang="ko-KR" sz="1200" dirty="0">
+                <a:gradFill>
+                  <a:gsLst>
+                    <a:gs pos="0">
+                      <a:srgbClr val="404040"/>
+                    </a:gs>
+                    <a:gs pos="100000">
+                      <a:srgbClr val="404040"/>
+                    </a:gs>
+                  </a:gsLst>
+                  <a:lin ang="5400000" scaled="0"/>
+                </a:gradFill>
+                <a:latin typeface="나눔고딕" panose="020D0604000000000000" pitchFamily="50" charset="-127"/>
+                <a:ea typeface="나눔고딕 ExtraBold"/>
+              </a:rPr>
+              <a:t>4: </a:t>
+            </a:r>
+            <a:r>
+              <a:rPr lang="ko-KR" altLang="en-US" sz="1200" dirty="0">
+                <a:gradFill>
+                  <a:gsLst>
+                    <a:gs pos="0">
+                      <a:srgbClr val="404040"/>
+                    </a:gs>
+                    <a:gs pos="100000">
+                      <a:srgbClr val="404040"/>
+                    </a:gs>
+                  </a:gsLst>
+                  <a:lin ang="5400000" scaled="0"/>
+                </a:gradFill>
+                <a:latin typeface="나눔고딕" panose="020D0604000000000000" pitchFamily="50" charset="-127"/>
+                <a:ea typeface="나눔고딕 ExtraBold"/>
+              </a:rPr>
+              <a:t>잔류 당분 농도</a:t>
+            </a:r>
+            <a:endParaRPr lang="en-US" altLang="ko-KR" sz="1200" dirty="0">
+              <a:gradFill>
+                <a:gsLst>
+                  <a:gs pos="0">
+                    <a:srgbClr val="404040"/>
+                  </a:gs>
+                  <a:gs pos="100000">
+                    <a:srgbClr val="404040"/>
+                  </a:gs>
+                </a:gsLst>
+                <a:lin ang="5400000" scaled="0"/>
+              </a:gradFill>
+              <a:latin typeface="나눔고딕" panose="020D0604000000000000" pitchFamily="50" charset="-127"/>
+              <a:ea typeface="나눔고딕 ExtraBold"/>
+            </a:endParaRPr>
+          </a:p>
+          <a:p>
+            <a:pPr latinLnBrk="1">
+              <a:lnSpc>
+                <a:spcPct val="150000"/>
+              </a:lnSpc>
+            </a:pPr>
+            <a:r>
+              <a:rPr lang="en-US" altLang="ko-KR" sz="1600" b="1" dirty="0">
+                <a:gradFill>
+                  <a:gsLst>
+                    <a:gs pos="0">
+                      <a:srgbClr val="404040"/>
+                    </a:gs>
+                    <a:gs pos="100000">
+                      <a:srgbClr val="404040"/>
+                    </a:gs>
+                  </a:gsLst>
+                  <a:lin ang="5400000" scaled="0"/>
+                </a:gradFill>
+                <a:latin typeface="나눔고딕" panose="020D0604000000000000" pitchFamily="50" charset="-127"/>
+                <a:ea typeface="나눔고딕 ExtraBold"/>
+              </a:rPr>
+              <a:t>•</a:t>
+            </a:r>
+            <a:r>
+              <a:rPr lang="ko-KR" altLang="en-US" sz="1600" b="1" dirty="0">
+                <a:gradFill>
+                  <a:gsLst>
+                    <a:gs pos="0">
+                      <a:srgbClr val="404040"/>
+                    </a:gs>
+                    <a:gs pos="100000">
+                      <a:srgbClr val="404040"/>
+                    </a:gs>
+                  </a:gsLst>
+                  <a:lin ang="5400000" scaled="0"/>
+                </a:gradFill>
+                <a:latin typeface="나눔고딕" panose="020D0604000000000000" pitchFamily="50" charset="-127"/>
+                <a:ea typeface="나눔고딕 ExtraBold"/>
+              </a:rPr>
+              <a:t> 클래스</a:t>
+            </a:r>
+            <a:r>
+              <a:rPr lang="en-US" altLang="ko-KR" sz="1600" b="1" dirty="0">
+                <a:gradFill>
+                  <a:gsLst>
+                    <a:gs pos="0">
+                      <a:srgbClr val="404040"/>
+                    </a:gs>
+                    <a:gs pos="100000">
+                      <a:srgbClr val="404040"/>
+                    </a:gs>
+                  </a:gsLst>
+                  <a:lin ang="5400000" scaled="0"/>
+                </a:gradFill>
+                <a:latin typeface="나눔고딕" panose="020D0604000000000000" pitchFamily="50" charset="-127"/>
+                <a:ea typeface="나눔고딕 ExtraBold"/>
+              </a:rPr>
+              <a:t>: class(1: </a:t>
+            </a:r>
+            <a:r>
+              <a:rPr lang="ko-KR" altLang="en-US" sz="1600" b="1" dirty="0" err="1">
+                <a:gradFill>
+                  <a:gsLst>
+                    <a:gs pos="0">
+                      <a:srgbClr val="404040"/>
+                    </a:gs>
+                    <a:gs pos="100000">
+                      <a:srgbClr val="404040"/>
+                    </a:gs>
+                  </a:gsLst>
+                  <a:lin ang="5400000" scaled="0"/>
+                </a:gradFill>
+                <a:latin typeface="나눔고딕" panose="020D0604000000000000" pitchFamily="50" charset="-127"/>
+                <a:ea typeface="나눔고딕 ExtraBold"/>
+              </a:rPr>
+              <a:t>레드와인</a:t>
+            </a:r>
+            <a:r>
+              <a:rPr lang="en-US" altLang="ko-KR" sz="1600" b="1" dirty="0">
+                <a:gradFill>
+                  <a:gsLst>
+                    <a:gs pos="0">
+                      <a:srgbClr val="404040"/>
+                    </a:gs>
+                    <a:gs pos="100000">
+                      <a:srgbClr val="404040"/>
+                    </a:gs>
+                  </a:gsLst>
+                  <a:lin ang="5400000" scaled="0"/>
+                </a:gradFill>
+                <a:latin typeface="나눔고딕" panose="020D0604000000000000" pitchFamily="50" charset="-127"/>
+                <a:ea typeface="나눔고딕 ExtraBold"/>
+              </a:rPr>
+              <a:t>, 0: </a:t>
+            </a:r>
+            <a:r>
+              <a:rPr lang="ko-KR" altLang="en-US" sz="1600" b="1" dirty="0">
+                <a:gradFill>
+                  <a:gsLst>
+                    <a:gs pos="0">
+                      <a:srgbClr val="404040"/>
+                    </a:gs>
+                    <a:gs pos="100000">
+                      <a:srgbClr val="404040"/>
+                    </a:gs>
+                  </a:gsLst>
+                  <a:lin ang="5400000" scaled="0"/>
+                </a:gradFill>
+                <a:latin typeface="나눔고딕" panose="020D0604000000000000" pitchFamily="50" charset="-127"/>
+                <a:ea typeface="나눔고딕 ExtraBold"/>
+              </a:rPr>
+              <a:t>화이트와인</a:t>
+            </a:r>
+            <a:r>
+              <a:rPr lang="en-US" altLang="ko-KR" sz="1600" b="1" dirty="0">
+                <a:gradFill>
+                  <a:gsLst>
+                    <a:gs pos="0">
+                      <a:srgbClr val="404040"/>
+                    </a:gs>
+                    <a:gs pos="100000">
+                      <a:srgbClr val="404040"/>
+                    </a:gs>
+                  </a:gsLst>
+                  <a:lin ang="5400000" scaled="0"/>
+                </a:gradFill>
+                <a:latin typeface="나눔고딕" panose="020D0604000000000000" pitchFamily="50" charset="-127"/>
+                <a:ea typeface="나눔고딕 ExtraBold"/>
+              </a:rPr>
+              <a:t>)</a:t>
+            </a:r>
           </a:p>
         </p:txBody>
       </p:sp>
@@ -11488,7 +11142,7 @@
               </a:lnSpc>
             </a:pPr>
             <a:r>
-              <a:rPr lang="en-US" altLang="ko-KR" sz="1200" dirty="0" smtClean="0">
+              <a:rPr lang="en-US" altLang="ko-KR" sz="1200" dirty="0">
                 <a:gradFill>
                   <a:gsLst>
                     <a:gs pos="0">
@@ -11539,25 +11193,122 @@
                 <a:latin typeface="나눔고딕" panose="020D0604000000000000" pitchFamily="50" charset="-127"/>
                 <a:ea typeface="나눔고딕 ExtraBold"/>
               </a:rPr>
-              <a:t>9</a:t>
-            </a:r>
-            <a:r>
-              <a:rPr lang="en-US" altLang="ko-KR" sz="1200" dirty="0" smtClean="0">
-                <a:gradFill>
-                  <a:gsLst>
-                    <a:gs pos="0">
-                      <a:srgbClr val="404040"/>
-                    </a:gs>
-                    <a:gs pos="100000">
-                      <a:srgbClr val="404040"/>
-                    </a:gs>
-                  </a:gsLst>
-                  <a:lin ang="5400000" scaled="0"/>
-                </a:gradFill>
-                <a:latin typeface="나눔고딕" panose="020D0604000000000000" pitchFamily="50" charset="-127"/>
-                <a:ea typeface="나눔고딕 ExtraBold"/>
-              </a:rPr>
-              <a:t>: pH</a:t>
+              <a:t>9: pH</a:t>
+            </a:r>
+          </a:p>
+          <a:p>
+            <a:pPr latinLnBrk="1">
+              <a:lnSpc>
+                <a:spcPct val="150000"/>
+              </a:lnSpc>
+            </a:pPr>
+            <a:r>
+              <a:rPr lang="en-US" altLang="ko-KR" sz="1200" dirty="0">
+                <a:gradFill>
+                  <a:gsLst>
+                    <a:gs pos="0">
+                      <a:srgbClr val="404040"/>
+                    </a:gs>
+                    <a:gs pos="100000">
+                      <a:srgbClr val="404040"/>
+                    </a:gs>
+                  </a:gsLst>
+                  <a:lin ang="5400000" scaled="0"/>
+                </a:gradFill>
+                <a:latin typeface="나눔고딕" panose="020D0604000000000000" pitchFamily="50" charset="-127"/>
+                <a:ea typeface="나눔고딕 ExtraBold"/>
+              </a:rPr>
+              <a:t>- </a:t>
+            </a:r>
+            <a:r>
+              <a:rPr lang="ko-KR" altLang="en-US" sz="1200" dirty="0">
+                <a:gradFill>
+                  <a:gsLst>
+                    <a:gs pos="0">
+                      <a:srgbClr val="404040"/>
+                    </a:gs>
+                    <a:gs pos="100000">
+                      <a:srgbClr val="404040"/>
+                    </a:gs>
+                  </a:gsLst>
+                  <a:lin ang="5400000" scaled="0"/>
+                </a:gradFill>
+                <a:latin typeface="나눔고딕" panose="020D0604000000000000" pitchFamily="50" charset="-127"/>
+                <a:ea typeface="나눔고딕 ExtraBold"/>
+              </a:rPr>
+              <a:t>정보 </a:t>
+            </a:r>
+            <a:r>
+              <a:rPr lang="en-US" altLang="ko-KR" sz="1200" dirty="0">
+                <a:gradFill>
+                  <a:gsLst>
+                    <a:gs pos="0">
+                      <a:srgbClr val="404040"/>
+                    </a:gs>
+                    <a:gs pos="100000">
+                      <a:srgbClr val="404040"/>
+                    </a:gs>
+                  </a:gsLst>
+                  <a:lin ang="5400000" scaled="0"/>
+                </a:gradFill>
+                <a:latin typeface="나눔고딕" panose="020D0604000000000000" pitchFamily="50" charset="-127"/>
+                <a:ea typeface="나눔고딕 ExtraBold"/>
+              </a:rPr>
+              <a:t>10:</a:t>
+            </a:r>
+            <a:r>
+              <a:rPr lang="ko-KR" altLang="en-US" sz="1200" dirty="0">
+                <a:gradFill>
+                  <a:gsLst>
+                    <a:gs pos="0">
+                      <a:srgbClr val="404040"/>
+                    </a:gs>
+                    <a:gs pos="100000">
+                      <a:srgbClr val="404040"/>
+                    </a:gs>
+                  </a:gsLst>
+                  <a:lin ang="5400000" scaled="0"/>
+                </a:gradFill>
+                <a:latin typeface="나눔고딕" panose="020D0604000000000000" pitchFamily="50" charset="-127"/>
+                <a:ea typeface="나눔고딕 ExtraBold"/>
+              </a:rPr>
+              <a:t> </a:t>
+            </a:r>
+            <a:r>
+              <a:rPr lang="ko-KR" altLang="en-US" sz="1200" dirty="0" err="1">
+                <a:gradFill>
+                  <a:gsLst>
+                    <a:gs pos="0">
+                      <a:srgbClr val="404040"/>
+                    </a:gs>
+                    <a:gs pos="100000">
+                      <a:srgbClr val="404040"/>
+                    </a:gs>
+                  </a:gsLst>
+                  <a:lin ang="5400000" scaled="0"/>
+                </a:gradFill>
+                <a:latin typeface="나눔고딕" panose="020D0604000000000000" pitchFamily="50" charset="-127"/>
+                <a:ea typeface="나눔고딕 ExtraBold"/>
+              </a:rPr>
+              <a:t>황산칼륨</a:t>
+            </a:r>
+            <a:r>
+              <a:rPr lang="ko-KR" altLang="en-US" sz="1200" dirty="0">
+                <a:gradFill>
+                  <a:gsLst>
+                    <a:gs pos="0">
+                      <a:srgbClr val="404040"/>
+                    </a:gs>
+                    <a:gs pos="100000">
+                      <a:srgbClr val="404040"/>
+                    </a:gs>
+                  </a:gsLst>
+                  <a:lin ang="5400000" scaled="0"/>
+                </a:gradFill>
+                <a:latin typeface="나눔고딕" panose="020D0604000000000000" pitchFamily="50" charset="-127"/>
+                <a:ea typeface="나눔고딕 ExtraBold"/>
+              </a:rPr>
+              <a:t> 농도</a:t>
             </a:r>
             <a:endParaRPr lang="en-US" altLang="ko-KR" sz="1200" dirty="0">
               <a:gradFill>
@@ -11582,7 +11333,7 @@
               </a:lnSpc>
             </a:pPr>
             <a:r>
-              <a:rPr lang="en-US" altLang="ko-KR" sz="1200" dirty="0" smtClean="0">
+              <a:rPr lang="en-US" altLang="ko-KR" sz="1200" dirty="0">
                 <a:gradFill>
                   <a:gsLst>
                     <a:gs pos="0">
@@ -11618,76 +11369,40 @@
               <a:t>정보 </a:t>
             </a:r>
             <a:r>
-              <a:rPr lang="en-US" altLang="ko-KR" sz="1200" dirty="0" smtClean="0">
-                <a:gradFill>
-                  <a:gsLst>
-                    <a:gs pos="0">
-                      <a:srgbClr val="404040"/>
-                    </a:gs>
-                    <a:gs pos="100000">
-                      <a:srgbClr val="404040"/>
-                    </a:gs>
-                  </a:gsLst>
-                  <a:lin ang="5400000" scaled="0"/>
-                </a:gradFill>
-                <a:latin typeface="나눔고딕" panose="020D0604000000000000" pitchFamily="50" charset="-127"/>
-                <a:ea typeface="나눔고딕 ExtraBold"/>
-              </a:rPr>
-              <a:t>10:</a:t>
-            </a:r>
-            <a:r>
-              <a:rPr lang="ko-KR" altLang="en-US" sz="1200" dirty="0" smtClean="0">
-                <a:gradFill>
-                  <a:gsLst>
-                    <a:gs pos="0">
-                      <a:srgbClr val="404040"/>
-                    </a:gs>
-                    <a:gs pos="100000">
-                      <a:srgbClr val="404040"/>
-                    </a:gs>
-                  </a:gsLst>
-                  <a:lin ang="5400000" scaled="0"/>
-                </a:gradFill>
-                <a:latin typeface="나눔고딕" panose="020D0604000000000000" pitchFamily="50" charset="-127"/>
-                <a:ea typeface="나눔고딕 ExtraBold"/>
-              </a:rPr>
-              <a:t> </a:t>
-            </a:r>
-            <a:r>
-              <a:rPr lang="ko-KR" altLang="en-US" sz="1200" dirty="0" err="1" smtClean="0">
-                <a:gradFill>
-                  <a:gsLst>
-                    <a:gs pos="0">
-                      <a:srgbClr val="404040"/>
-                    </a:gs>
-                    <a:gs pos="100000">
-                      <a:srgbClr val="404040"/>
-                    </a:gs>
-                  </a:gsLst>
-                  <a:lin ang="5400000" scaled="0"/>
-                </a:gradFill>
-                <a:latin typeface="나눔고딕" panose="020D0604000000000000" pitchFamily="50" charset="-127"/>
-                <a:ea typeface="나눔고딕 ExtraBold"/>
-              </a:rPr>
-              <a:t>황산칼륨</a:t>
-            </a:r>
-            <a:r>
-              <a:rPr lang="ko-KR" altLang="en-US" sz="1200" dirty="0" smtClean="0">
-                <a:gradFill>
-                  <a:gsLst>
-                    <a:gs pos="0">
-                      <a:srgbClr val="404040"/>
-                    </a:gs>
-                    <a:gs pos="100000">
-                      <a:srgbClr val="404040"/>
-                    </a:gs>
-                  </a:gsLst>
-                  <a:lin ang="5400000" scaled="0"/>
-                </a:gradFill>
-                <a:latin typeface="나눔고딕" panose="020D0604000000000000" pitchFamily="50" charset="-127"/>
-                <a:ea typeface="나눔고딕 ExtraBold"/>
-              </a:rPr>
-              <a:t> 농도</a:t>
+              <a:rPr lang="en-US" altLang="ko-KR" sz="1200" dirty="0">
+                <a:gradFill>
+                  <a:gsLst>
+                    <a:gs pos="0">
+                      <a:srgbClr val="404040"/>
+                    </a:gs>
+                    <a:gs pos="100000">
+                      <a:srgbClr val="404040"/>
+                    </a:gs>
+                  </a:gsLst>
+                  <a:lin ang="5400000" scaled="0"/>
+                </a:gradFill>
+                <a:latin typeface="나눔고딕" panose="020D0604000000000000" pitchFamily="50" charset="-127"/>
+                <a:ea typeface="나눔고딕 ExtraBold"/>
+              </a:rPr>
+              <a:t>11: </a:t>
+            </a:r>
+            <a:r>
+              <a:rPr lang="ko-KR" altLang="en-US" sz="1200" dirty="0">
+                <a:gradFill>
+                  <a:gsLst>
+                    <a:gs pos="0">
+                      <a:srgbClr val="404040"/>
+                    </a:gs>
+                    <a:gs pos="100000">
+                      <a:srgbClr val="404040"/>
+                    </a:gs>
+                  </a:gsLst>
+                  <a:lin ang="5400000" scaled="0"/>
+                </a:gradFill>
+                <a:latin typeface="나눔고딕" panose="020D0604000000000000" pitchFamily="50" charset="-127"/>
+                <a:ea typeface="나눔고딕 ExtraBold"/>
+              </a:rPr>
+              <a:t>알코올 도수</a:t>
             </a:r>
             <a:endParaRPr lang="en-US" altLang="ko-KR" sz="1200" dirty="0">
               <a:gradFill>
@@ -11712,7 +11427,7 @@
               </a:lnSpc>
             </a:pPr>
             <a:r>
-              <a:rPr lang="en-US" altLang="ko-KR" sz="1200" dirty="0" smtClean="0">
+              <a:rPr lang="en-US" altLang="ko-KR" sz="1200" dirty="0">
                 <a:gradFill>
                   <a:gsLst>
                     <a:gs pos="0">
@@ -11748,101 +11463,7 @@
               <a:t>정보 </a:t>
             </a:r>
             <a:r>
-              <a:rPr lang="en-US" altLang="ko-KR" sz="1200" dirty="0" smtClean="0">
-                <a:gradFill>
-                  <a:gsLst>
-                    <a:gs pos="0">
-                      <a:srgbClr val="404040"/>
-                    </a:gs>
-                    <a:gs pos="100000">
-                      <a:srgbClr val="404040"/>
-                    </a:gs>
-                  </a:gsLst>
-                  <a:lin ang="5400000" scaled="0"/>
-                </a:gradFill>
-                <a:latin typeface="나눔고딕" panose="020D0604000000000000" pitchFamily="50" charset="-127"/>
-                <a:ea typeface="나눔고딕 ExtraBold"/>
-              </a:rPr>
-              <a:t>11: </a:t>
-            </a:r>
-            <a:r>
-              <a:rPr lang="ko-KR" altLang="en-US" sz="1200" dirty="0" smtClean="0">
-                <a:gradFill>
-                  <a:gsLst>
-                    <a:gs pos="0">
-                      <a:srgbClr val="404040"/>
-                    </a:gs>
-                    <a:gs pos="100000">
-                      <a:srgbClr val="404040"/>
-                    </a:gs>
-                  </a:gsLst>
-                  <a:lin ang="5400000" scaled="0"/>
-                </a:gradFill>
-                <a:latin typeface="나눔고딕" panose="020D0604000000000000" pitchFamily="50" charset="-127"/>
-                <a:ea typeface="나눔고딕 ExtraBold"/>
-              </a:rPr>
-              <a:t>알코올 도수</a:t>
-            </a:r>
-            <a:endParaRPr lang="en-US" altLang="ko-KR" sz="1200" dirty="0">
-              <a:gradFill>
-                <a:gsLst>
-                  <a:gs pos="0">
-                    <a:srgbClr val="404040"/>
-                  </a:gs>
-                  <a:gs pos="100000">
-                    <a:srgbClr val="404040"/>
-                  </a:gs>
-                </a:gsLst>
-                <a:lin ang="5400000" scaled="0"/>
-              </a:gradFill>
-              <a:latin typeface="나눔고딕" panose="020D0604000000000000" pitchFamily="50" charset="-127"/>
-              <a:ea typeface="나눔고딕 ExtraBold"/>
-            </a:endParaRPr>
-          </a:p>
-          <a:p>
-            <a:pPr latinLnBrk="1">
-              <a:lnSpc>
-                <a:spcPct val="150000"/>
-              </a:lnSpc>
-            </a:pPr>
-            <a:r>
-              <a:rPr lang="en-US" altLang="ko-KR" sz="1200" dirty="0" smtClean="0">
-                <a:gradFill>
-                  <a:gsLst>
-                    <a:gs pos="0">
-                      <a:srgbClr val="404040"/>
-                    </a:gs>
-                    <a:gs pos="100000">
-                      <a:srgbClr val="404040"/>
-                    </a:gs>
-                  </a:gsLst>
-                  <a:lin ang="5400000" scaled="0"/>
-                </a:gradFill>
-                <a:latin typeface="나눔고딕" panose="020D0604000000000000" pitchFamily="50" charset="-127"/>
-                <a:ea typeface="나눔고딕 ExtraBold"/>
-              </a:rPr>
-              <a:t>- </a:t>
-            </a:r>
-            <a:r>
-              <a:rPr lang="ko-KR" altLang="en-US" sz="1200" dirty="0">
-                <a:gradFill>
-                  <a:gsLst>
-                    <a:gs pos="0">
-                      <a:srgbClr val="404040"/>
-                    </a:gs>
-                    <a:gs pos="100000">
-                      <a:srgbClr val="404040"/>
-                    </a:gs>
-                  </a:gsLst>
-                  <a:lin ang="5400000" scaled="0"/>
-                </a:gradFill>
-                <a:latin typeface="나눔고딕" panose="020D0604000000000000" pitchFamily="50" charset="-127"/>
-                <a:ea typeface="나눔고딕 ExtraBold"/>
-              </a:rPr>
-              <a:t>정보 </a:t>
-            </a:r>
-            <a:r>
-              <a:rPr lang="en-US" altLang="ko-KR" sz="1200" dirty="0" smtClean="0">
+              <a:rPr lang="en-US" altLang="ko-KR" sz="1200" dirty="0">
                 <a:gradFill>
                   <a:gsLst>
                     <a:gs pos="0">
@@ -12088,7 +11709,7 @@
               </a:lnSpc>
             </a:pPr>
             <a:r>
-              <a:rPr lang="en-US" altLang="ko-KR" sz="1200" dirty="0" smtClean="0">
+              <a:rPr lang="en-US" altLang="ko-KR" sz="1200" dirty="0">
                 <a:gradFill>
                   <a:gsLst>
                     <a:gs pos="0">
@@ -12330,7 +11951,7 @@
               <a:t>8: </a:t>
             </a:r>
             <a:r>
-              <a:rPr lang="ko-KR" altLang="en-US" sz="1200" dirty="0" smtClean="0">
+              <a:rPr lang="ko-KR" altLang="en-US" sz="1200" dirty="0">
                 <a:gradFill>
                   <a:gsLst>
                     <a:gs pos="0">
@@ -12421,7 +12042,7 @@
               </a:lnSpc>
             </a:pPr>
             <a:r>
-              <a:rPr lang="ko-KR" altLang="en-US" sz="1200" dirty="0" smtClean="0">
+              <a:rPr lang="ko-KR" altLang="en-US" sz="1200" dirty="0">
                 <a:gradFill>
                   <a:gsLst>
                     <a:gs pos="0">
@@ -12483,7 +12104,7 @@
               </a:lnSpc>
             </a:pPr>
             <a:r>
-              <a:rPr lang="ko-KR" altLang="en-US" sz="1200" dirty="0" err="1" smtClean="0">
+              <a:rPr lang="ko-KR" altLang="en-US" sz="1200" dirty="0" err="1">
                 <a:gradFill>
                   <a:gsLst>
                     <a:gs pos="0">
@@ -12603,7 +12224,7 @@
               </a:lnSpc>
             </a:pPr>
             <a:r>
-              <a:rPr lang="ko-KR" altLang="en-US" sz="1200" dirty="0" smtClean="0">
+              <a:rPr lang="ko-KR" altLang="en-US" sz="1200" dirty="0">
                 <a:gradFill>
                   <a:gsLst>
                     <a:gs pos="0">
@@ -12648,13 +12269,6 @@
   <p:clrMapOvr>
     <a:masterClrMapping/>
   </p:clrMapOvr>
-  <p:timing>
-    <p:tnLst>
-      <p:par>
-        <p:cTn id="1" dur="indefinite" restart="never" nodeType="tmRoot"/>
-      </p:par>
-    </p:tnLst>
-  </p:timing>
 </p:sld>
 </file>
 
@@ -12857,7 +12471,7 @@
               <a:defRPr/>
             </a:pPr>
             <a:r>
-              <a:rPr lang="en-US" altLang="ko-KR" sz="3800" kern="0" dirty="0" smtClean="0">
+              <a:rPr lang="en-US" altLang="ko-KR" sz="3800" kern="0" dirty="0">
                 <a:solidFill>
                   <a:schemeClr val="tx1"/>
                 </a:solidFill>
@@ -12867,7 +12481,7 @@
               </a:rPr>
               <a:t>Gluon</a:t>
             </a:r>
-            <a:endParaRPr lang="ko-KR" altLang="en-US" sz="3800" kern="0" dirty="0" smtClean="0">
+            <a:endParaRPr lang="ko-KR" altLang="en-US" sz="3800" kern="0" dirty="0">
               <a:solidFill>
                 <a:schemeClr val="tx1"/>
               </a:solidFill>
@@ -13071,7 +12685,7 @@
               <a:defRPr/>
             </a:pPr>
             <a:r>
-              <a:rPr lang="en-US" altLang="ko-KR" sz="3800" kern="0" dirty="0" smtClean="0">
+              <a:rPr lang="en-US" altLang="ko-KR" sz="3800" kern="0" dirty="0">
                 <a:solidFill>
                   <a:srgbClr val="0070C0"/>
                 </a:solidFill>
@@ -13081,7 +12695,7 @@
               </a:rPr>
               <a:t>05.</a:t>
             </a:r>
-            <a:endParaRPr lang="ko-KR" altLang="en-US" sz="3800" kern="0" dirty="0" smtClean="0">
+            <a:endParaRPr lang="ko-KR" altLang="en-US" sz="3800" kern="0" dirty="0">
               <a:solidFill>
                 <a:srgbClr val="0070C0"/>
               </a:solidFill>
@@ -13102,13 +12716,6 @@
   <p:clrMapOvr>
     <a:masterClrMapping/>
   </p:clrMapOvr>
-  <p:timing>
-    <p:tnLst>
-      <p:par>
-        <p:cTn id="1" dur="indefinite" restart="never" nodeType="tmRoot"/>
-      </p:par>
-    </p:tnLst>
-  </p:timing>
 </p:sld>
 </file>
 
@@ -13181,16 +12788,9 @@
                 <a:latin typeface="나눔고딕 ExtraBold" panose="020D0904000000000000" pitchFamily="50" charset="-127"/>
                 <a:ea typeface="나눔고딕 ExtraBold" panose="020D0904000000000000" pitchFamily="50" charset="-127"/>
               </a:rPr>
-              <a:t>5</a:t>
-            </a:r>
-            <a:r>
-              <a:rPr lang="en-US" altLang="ko-KR" sz="2800" dirty="0" smtClean="0">
-                <a:latin typeface="나눔고딕 ExtraBold" panose="020D0904000000000000" pitchFamily="50" charset="-127"/>
-                <a:ea typeface="나눔고딕 ExtraBold" panose="020D0904000000000000" pitchFamily="50" charset="-127"/>
-              </a:rPr>
-              <a:t>. Gluon</a:t>
-            </a:r>
-            <a:endParaRPr lang="ko-KR" altLang="en-US" sz="2800" dirty="0" smtClean="0">
+              <a:t>5. Gluon</a:t>
+            </a:r>
+            <a:endParaRPr lang="ko-KR" altLang="en-US" sz="2800" dirty="0">
               <a:latin typeface="나눔고딕 ExtraBold" panose="020D0904000000000000" pitchFamily="50" charset="-127"/>
               <a:ea typeface="나눔고딕 ExtraBold" panose="020D0904000000000000" pitchFamily="50" charset="-127"/>
             </a:endParaRPr>
@@ -13484,7 +13084,7 @@
               <a:defRPr/>
             </a:pPr>
             <a:r>
-              <a:rPr lang="en-US" sz="2000" b="1" dirty="0" err="1" smtClean="0">
+              <a:rPr lang="en-US" sz="2000" b="1" dirty="0" err="1">
                 <a:gradFill>
                   <a:gsLst>
                     <a:gs pos="0">
@@ -13501,7 +13101,7 @@
               </a:rPr>
               <a:t>Gloun</a:t>
             </a:r>
-            <a:endParaRPr lang="en-US" sz="2000" b="1" dirty="0" smtClean="0">
+            <a:endParaRPr lang="en-US" sz="2000" b="1" dirty="0">
               <a:gradFill>
                 <a:gsLst>
                   <a:gs pos="0">
@@ -13830,7 +13430,7 @@
               <a:defRPr/>
             </a:pPr>
             <a:r>
-              <a:rPr lang="en-US" sz="1400" b="1" dirty="0" smtClean="0">
+              <a:rPr lang="en-US" sz="1400" b="1" dirty="0">
                 <a:gradFill>
                   <a:gsLst>
                     <a:gs pos="0">
@@ -14766,21 +14366,6 @@
               </a:rPr>
               <a:t>=0.0001)</a:t>
             </a:r>
-            <a:endParaRPr lang="en-US" sz="1200" b="1" dirty="0" smtClean="0">
-              <a:gradFill>
-                <a:gsLst>
-                  <a:gs pos="0">
-                    <a:srgbClr val="404040"/>
-                  </a:gs>
-                  <a:gs pos="100000">
-                    <a:srgbClr val="404040"/>
-                  </a:gs>
-                </a:gsLst>
-                <a:lin ang="5400000" scaled="0"/>
-              </a:gradFill>
-              <a:latin typeface="나눔고딕" panose="020D0604000000000000" pitchFamily="50" charset="-127"/>
-              <a:ea typeface="나눔고딕 ExtraBold"/>
-            </a:endParaRPr>
           </a:p>
         </p:txBody>
       </p:sp>
@@ -15071,7 +14656,7 @@
               <a:defRPr/>
             </a:pPr>
             <a:r>
-              <a:rPr lang="ko-KR" altLang="en-US" sz="1400" b="1" dirty="0" smtClean="0">
+              <a:rPr lang="ko-KR" altLang="en-US" sz="1400" b="1" dirty="0">
                 <a:gradFill>
                   <a:gsLst>
                     <a:gs pos="0">
@@ -15089,7 +14674,7 @@
               <a:t>단일 </a:t>
             </a:r>
             <a:r>
-              <a:rPr lang="ko-KR" altLang="en-US" sz="1400" b="1" dirty="0" err="1" smtClean="0">
+              <a:rPr lang="ko-KR" altLang="en-US" sz="1400" b="1" dirty="0" err="1">
                 <a:gradFill>
                   <a:gsLst>
                     <a:gs pos="0">
@@ -15107,7 +14692,7 @@
               <a:t>머신에서</a:t>
             </a:r>
             <a:r>
-              <a:rPr lang="ko-KR" altLang="en-US" sz="1400" b="1" dirty="0" smtClean="0">
+              <a:rPr lang="ko-KR" altLang="en-US" sz="1400" b="1" dirty="0">
                 <a:gradFill>
                   <a:gsLst>
                     <a:gs pos="0">
@@ -15125,7 +14710,7 @@
               <a:t> </a:t>
             </a:r>
             <a:r>
-              <a:rPr lang="en-US" altLang="ko-KR" sz="1400" b="1" dirty="0" smtClean="0">
+              <a:rPr lang="en-US" altLang="ko-KR" sz="1400" b="1" dirty="0">
                 <a:gradFill>
                   <a:gsLst>
                     <a:gs pos="0">
@@ -15143,7 +14728,7 @@
               <a:t>CIFAR10 </a:t>
             </a:r>
             <a:r>
-              <a:rPr lang="ko-KR" altLang="en-US" sz="1400" b="1" dirty="0" smtClean="0">
+              <a:rPr lang="ko-KR" altLang="en-US" sz="1400" b="1" dirty="0">
                 <a:gradFill>
                   <a:gsLst>
                     <a:gs pos="0">
@@ -15161,7 +14746,7 @@
               <a:t>데이터</a:t>
             </a:r>
             <a:r>
-              <a:rPr lang="en-US" altLang="ko-KR" sz="1400" b="1" dirty="0" smtClean="0">
+              <a:rPr lang="en-US" altLang="ko-KR" sz="1400" b="1" dirty="0">
                 <a:gradFill>
                   <a:gsLst>
                     <a:gs pos="0">
@@ -15179,7 +14764,7 @@
               <a:t> </a:t>
             </a:r>
             <a:r>
-              <a:rPr lang="ko-KR" altLang="en-US" sz="1400" b="1" dirty="0" smtClean="0">
+              <a:rPr lang="ko-KR" altLang="en-US" sz="1400" b="1" dirty="0">
                 <a:gradFill>
                   <a:gsLst>
                     <a:gs pos="0">
@@ -15197,7 +14782,7 @@
               <a:t>셋에 대한 </a:t>
             </a:r>
             <a:r>
-              <a:rPr lang="en-US" altLang="ko-KR" sz="1400" b="1" dirty="0" smtClean="0">
+              <a:rPr lang="en-US" altLang="ko-KR" sz="1400" b="1" dirty="0">
                 <a:gradFill>
                   <a:gsLst>
                     <a:gs pos="0">
@@ -15215,7 +14800,7 @@
               <a:t>VGG11 </a:t>
             </a:r>
             <a:r>
-              <a:rPr lang="ko-KR" altLang="en-US" sz="1400" b="1" dirty="0" smtClean="0">
+              <a:rPr lang="ko-KR" altLang="en-US" sz="1400" b="1" dirty="0">
                 <a:gradFill>
                   <a:gsLst>
                     <a:gs pos="0">
@@ -15232,7 +14817,7 @@
               </a:rPr>
               <a:t>모델 학습</a:t>
             </a:r>
-            <a:endParaRPr lang="en-US" sz="1400" b="1" dirty="0" smtClean="0">
+            <a:endParaRPr lang="en-US" sz="1400" b="1" dirty="0">
               <a:gradFill>
                 <a:gsLst>
                   <a:gs pos="0">
@@ -15260,13 +14845,6 @@
   <p:clrMapOvr>
     <a:masterClrMapping/>
   </p:clrMapOvr>
-  <p:timing>
-    <p:tnLst>
-      <p:par>
-        <p:cTn id="1" dur="indefinite" restart="never" nodeType="tmRoot"/>
-      </p:par>
-    </p:tnLst>
-  </p:timing>
 </p:sld>
 </file>
 
@@ -15469,7 +15047,7 @@
               <a:defRPr/>
             </a:pPr>
             <a:r>
-              <a:rPr lang="ko-KR" altLang="en-US" sz="3800" kern="0" dirty="0" smtClean="0">
+              <a:rPr lang="ko-KR" altLang="en-US" sz="3800" kern="0" dirty="0">
                 <a:solidFill>
                   <a:schemeClr val="tx1"/>
                 </a:solidFill>
@@ -15675,7 +15253,7 @@
               <a:defRPr/>
             </a:pPr>
             <a:r>
-              <a:rPr lang="en-US" altLang="ko-KR" sz="3800" kern="0" dirty="0" smtClean="0">
+              <a:rPr lang="en-US" altLang="ko-KR" sz="3800" kern="0" dirty="0">
                 <a:solidFill>
                   <a:srgbClr val="0070C0"/>
                 </a:solidFill>
@@ -15685,7 +15263,7 @@
               </a:rPr>
               <a:t>06.</a:t>
             </a:r>
-            <a:endParaRPr lang="ko-KR" altLang="en-US" sz="3800" kern="0" dirty="0" smtClean="0">
+            <a:endParaRPr lang="ko-KR" altLang="en-US" sz="3800" kern="0" dirty="0">
               <a:solidFill>
                 <a:srgbClr val="0070C0"/>
               </a:solidFill>
@@ -15706,13 +15284,6 @@
   <p:clrMapOvr>
     <a:masterClrMapping/>
   </p:clrMapOvr>
-  <p:timing>
-    <p:tnLst>
-      <p:par>
-        <p:cTn id="1" dur="indefinite" restart="never" nodeType="tmRoot"/>
-      </p:par>
-    </p:tnLst>
-  </p:timing>
 </p:sld>
 </file>
 
@@ -15781,14 +15352,14 @@
               <a:buNone/>
             </a:pPr>
             <a:r>
-              <a:rPr lang="en-US" altLang="ko-KR" sz="2800" dirty="0" smtClean="0">
+              <a:rPr lang="en-US" altLang="ko-KR" sz="2800" dirty="0">
                 <a:latin typeface="나눔고딕 ExtraBold" panose="020D0904000000000000" pitchFamily="50" charset="-127"/>
                 <a:ea typeface="나눔고딕 ExtraBold" panose="020D0904000000000000" pitchFamily="50" charset="-127"/>
               </a:rPr>
               <a:t>6.</a:t>
             </a:r>
             <a:r>
-              <a:rPr lang="ko-KR" altLang="en-US" sz="2800" dirty="0" smtClean="0">
+              <a:rPr lang="ko-KR" altLang="en-US" sz="2800" dirty="0">
                 <a:latin typeface="나눔고딕 ExtraBold" panose="020D0904000000000000" pitchFamily="50" charset="-127"/>
                 <a:ea typeface="나눔고딕 ExtraBold" panose="020D0904000000000000" pitchFamily="50" charset="-127"/>
               </a:rPr>
@@ -16088,7 +15659,7 @@
               <a:defRPr/>
             </a:pPr>
             <a:r>
-              <a:rPr lang="en-US" altLang="ko-KR" sz="2400" b="1" dirty="0" smtClean="0">
+              <a:rPr lang="en-US" altLang="ko-KR" sz="2400" b="1" dirty="0">
                 <a:gradFill>
                   <a:gsLst>
                     <a:gs pos="0">
@@ -16239,7 +15810,7 @@
               <a:defRPr/>
             </a:pPr>
             <a:r>
-              <a:rPr lang="en-US" altLang="ko-KR" sz="2400" b="1" dirty="0" smtClean="0">
+              <a:rPr lang="en-US" altLang="ko-KR" sz="2400" b="1" dirty="0">
                 <a:gradFill>
                   <a:gsLst>
                     <a:gs pos="0">
@@ -16257,7 +15828,7 @@
               <a:t>2. </a:t>
             </a:r>
             <a:r>
-              <a:rPr lang="ko-KR" altLang="en-US" sz="2400" b="1" dirty="0" err="1" smtClean="0">
+              <a:rPr lang="ko-KR" altLang="en-US" sz="2400" b="1" dirty="0" err="1">
                 <a:gradFill>
                   <a:gsLst>
                     <a:gs pos="0">
@@ -16275,7 +15846,7 @@
               <a:t>시계열</a:t>
             </a:r>
             <a:r>
-              <a:rPr lang="ko-KR" altLang="en-US" sz="2400" b="1" dirty="0" smtClean="0">
+              <a:rPr lang="ko-KR" altLang="en-US" sz="2400" b="1" dirty="0">
                 <a:gradFill>
                   <a:gsLst>
                     <a:gs pos="0">
@@ -16293,7 +15864,7 @@
               <a:t> 데이터 </a:t>
             </a:r>
             <a:r>
-              <a:rPr lang="ko-KR" altLang="en-US" sz="2400" b="1" dirty="0" err="1" smtClean="0">
+              <a:rPr lang="ko-KR" altLang="en-US" sz="2400" b="1" dirty="0" err="1">
                 <a:gradFill>
                   <a:gsLst>
                     <a:gs pos="0">
@@ -16311,7 +15882,7 @@
               <a:t>딥러닝</a:t>
             </a:r>
             <a:r>
-              <a:rPr lang="ko-KR" altLang="en-US" sz="2400" b="1" dirty="0" smtClean="0">
+              <a:rPr lang="ko-KR" altLang="en-US" sz="2400" b="1" dirty="0">
                 <a:gradFill>
                   <a:gsLst>
                     <a:gs pos="0">
@@ -16328,7 +15899,7 @@
               </a:rPr>
               <a:t> 학습</a:t>
             </a:r>
-            <a:endParaRPr lang="en-US" altLang="ko-KR" sz="2400" b="1" dirty="0" smtClean="0">
+            <a:endParaRPr lang="en-US" altLang="ko-KR" sz="2400" b="1" dirty="0">
               <a:gradFill>
                 <a:gsLst>
                   <a:gs pos="0">
@@ -16436,7 +16007,7 @@
               <a:defRPr/>
             </a:pPr>
             <a:r>
-              <a:rPr lang="en-US" altLang="ko-KR" sz="2400" b="1" dirty="0" smtClean="0">
+              <a:rPr lang="en-US" altLang="ko-KR" sz="2400" b="1" dirty="0">
                 <a:gradFill>
                   <a:gsLst>
                     <a:gs pos="0">
@@ -16453,21 +16024,6 @@
               </a:rPr>
               <a:t>3. Gluon</a:t>
             </a:r>
-            <a:endParaRPr lang="en-US" altLang="ko-KR" sz="2400" b="1" dirty="0">
-              <a:gradFill>
-                <a:gsLst>
-                  <a:gs pos="0">
-                    <a:srgbClr val="404040"/>
-                  </a:gs>
-                  <a:gs pos="100000">
-                    <a:srgbClr val="404040"/>
-                  </a:gs>
-                </a:gsLst>
-                <a:lin ang="5400000" scaled="0"/>
-              </a:gradFill>
-              <a:latin typeface="나눔고딕" panose="020D0604000000000000" pitchFamily="50" charset="-127"/>
-              <a:ea typeface="나눔고딕 ExtraBold"/>
-            </a:endParaRPr>
           </a:p>
           <a:p>
             <a:pPr marL="342900" indent="-342900" algn="l">
@@ -16560,13 +16116,6 @@
   <p:clrMapOvr>
     <a:masterClrMapping/>
   </p:clrMapOvr>
-  <p:timing>
-    <p:tnLst>
-      <p:par>
-        <p:cTn id="1" dur="indefinite" restart="never" nodeType="tmRoot"/>
-      </p:par>
-    </p:tnLst>
-  </p:timing>
 </p:sld>
 </file>
 
@@ -17038,13 +16587,6 @@
   <p:clrMapOvr>
     <a:masterClrMapping/>
   </p:clrMapOvr>
-  <p:timing>
-    <p:tnLst>
-      <p:par>
-        <p:cTn id="1" dur="indefinite" restart="never" nodeType="tmRoot"/>
-      </p:par>
-    </p:tnLst>
-  </p:timing>
 </p:sld>
 </file>
 
@@ -17245,13 +16787,6 @@
   <p:clrMapOvr>
     <a:masterClrMapping/>
   </p:clrMapOvr>
-  <p:timing>
-    <p:tnLst>
-      <p:par>
-        <p:cTn id="1" dur="indefinite" restart="never" nodeType="tmRoot"/>
-      </p:par>
-    </p:tnLst>
-  </p:timing>
 </p:sld>
 </file>
 
@@ -17320,14 +16855,14 @@
               <a:buNone/>
             </a:pPr>
             <a:r>
-              <a:rPr lang="en-US" altLang="ko-KR" sz="2800" dirty="0" smtClean="0">
+              <a:rPr lang="en-US" altLang="ko-KR" sz="2800" dirty="0">
                 <a:latin typeface="나눔고딕 ExtraBold" panose="020D0904000000000000" pitchFamily="50" charset="-127"/>
                 <a:ea typeface="나눔고딕 ExtraBold" panose="020D0904000000000000" pitchFamily="50" charset="-127"/>
               </a:rPr>
               <a:t>6.</a:t>
             </a:r>
             <a:r>
-              <a:rPr lang="ko-KR" altLang="en-US" sz="2800" dirty="0" smtClean="0">
+              <a:rPr lang="ko-KR" altLang="en-US" sz="2800" dirty="0">
                 <a:latin typeface="나눔고딕 ExtraBold" panose="020D0904000000000000" pitchFamily="50" charset="-127"/>
                 <a:ea typeface="나눔고딕 ExtraBold" panose="020D0904000000000000" pitchFamily="50" charset="-127"/>
               </a:rPr>
@@ -17626,7 +17161,7 @@
               <a:defRPr/>
             </a:pPr>
             <a:r>
-              <a:rPr lang="en-US" altLang="ko-KR" sz="2400" b="1" dirty="0" smtClean="0">
+              <a:rPr lang="en-US" altLang="ko-KR" sz="2400" b="1" dirty="0">
                 <a:gradFill>
                   <a:gsLst>
                     <a:gs pos="0">
@@ -17644,7 +17179,7 @@
               <a:t>1. </a:t>
             </a:r>
             <a:r>
-              <a:rPr lang="ko-KR" altLang="en-US" sz="2400" b="1" dirty="0" smtClean="0">
+              <a:rPr lang="ko-KR" altLang="en-US" sz="2400" b="1" dirty="0">
                 <a:gradFill>
                   <a:gsLst>
                     <a:gs pos="0">
@@ -17661,7 +17196,7 @@
               </a:rPr>
               <a:t>데이터 다루기</a:t>
             </a:r>
-            <a:endParaRPr lang="en-US" altLang="ko-KR" sz="2400" b="1" dirty="0" smtClean="0">
+            <a:endParaRPr lang="en-US" altLang="ko-KR" sz="2400" b="1" dirty="0">
               <a:gradFill>
                 <a:gsLst>
                   <a:gs pos="0">
@@ -17700,28 +17235,10 @@
                 <a:latin typeface="나눔고딕" panose="020D0604000000000000" pitchFamily="50" charset="-127"/>
                 <a:ea typeface="나눔고딕 ExtraBold"/>
               </a:rPr>
-              <a:t> </a:t>
-            </a:r>
-            <a:r>
-              <a:rPr lang="en-US" altLang="ko-KR" sz="1600" b="1" dirty="0" smtClean="0">
-                <a:gradFill>
-                  <a:gsLst>
-                    <a:gs pos="0">
-                      <a:srgbClr val="404040"/>
-                    </a:gs>
-                    <a:gs pos="100000">
-                      <a:srgbClr val="404040"/>
-                    </a:gs>
-                  </a:gsLst>
-                  <a:lin ang="5400000" scaled="0"/>
-                </a:gradFill>
-                <a:latin typeface="나눔고딕" panose="020D0604000000000000" pitchFamily="50" charset="-127"/>
-                <a:ea typeface="나눔고딕 ExtraBold"/>
-              </a:rPr>
-              <a:t>    - pandas, </a:t>
-            </a:r>
-            <a:r>
-              <a:rPr lang="en-US" altLang="ko-KR" sz="1600" b="1" dirty="0" err="1" smtClean="0">
+              <a:t>     - pandas, </a:t>
+            </a:r>
+            <a:r>
+              <a:rPr lang="en-US" altLang="ko-KR" sz="1600" b="1" dirty="0" err="1">
                 <a:gradFill>
                   <a:gsLst>
                     <a:gs pos="0">
@@ -17737,142 +17254,6 @@
                 <a:ea typeface="나눔고딕 ExtraBold"/>
               </a:rPr>
               <a:t>matplotlib</a:t>
-            </a:r>
-            <a:endParaRPr lang="en-US" altLang="ko-KR" sz="1600" b="1" dirty="0" smtClean="0">
-              <a:gradFill>
-                <a:gsLst>
-                  <a:gs pos="0">
-                    <a:srgbClr val="404040"/>
-                  </a:gs>
-                  <a:gs pos="100000">
-                    <a:srgbClr val="404040"/>
-                  </a:gs>
-                </a:gsLst>
-                <a:lin ang="5400000" scaled="0"/>
-              </a:gradFill>
-              <a:latin typeface="나눔고딕" panose="020D0604000000000000" pitchFamily="50" charset="-127"/>
-              <a:ea typeface="나눔고딕 ExtraBold"/>
-            </a:endParaRPr>
-          </a:p>
-          <a:p>
-            <a:pPr algn="l">
-              <a:lnSpc>
-                <a:spcPct val="150000"/>
-              </a:lnSpc>
-              <a:defRPr/>
-            </a:pPr>
-            <a:r>
-              <a:rPr lang="en-US" altLang="ko-KR" sz="2400" b="1" dirty="0" smtClean="0">
-                <a:gradFill>
-                  <a:gsLst>
-                    <a:gs pos="0">
-                      <a:srgbClr val="404040"/>
-                    </a:gs>
-                    <a:gs pos="100000">
-                      <a:srgbClr val="404040"/>
-                    </a:gs>
-                  </a:gsLst>
-                  <a:lin ang="5400000" scaled="0"/>
-                </a:gradFill>
-                <a:latin typeface="나눔고딕" panose="020D0604000000000000" pitchFamily="50" charset="-127"/>
-                <a:ea typeface="나눔고딕 ExtraBold"/>
-              </a:rPr>
-              <a:t>2. </a:t>
-            </a:r>
-            <a:r>
-              <a:rPr lang="ko-KR" altLang="en-US" sz="2400" b="1" dirty="0" smtClean="0">
-                <a:gradFill>
-                  <a:gsLst>
-                    <a:gs pos="0">
-                      <a:srgbClr val="404040"/>
-                    </a:gs>
-                    <a:gs pos="100000">
-                      <a:srgbClr val="404040"/>
-                    </a:gs>
-                  </a:gsLst>
-                  <a:lin ang="5400000" scaled="0"/>
-                </a:gradFill>
-                <a:latin typeface="나눔고딕" panose="020D0604000000000000" pitchFamily="50" charset="-127"/>
-                <a:ea typeface="나눔고딕 ExtraBold"/>
-              </a:rPr>
-              <a:t>다중 분류 문제</a:t>
-            </a:r>
-            <a:endParaRPr lang="en-US" altLang="ko-KR" sz="2400" b="1" dirty="0" smtClean="0">
-              <a:gradFill>
-                <a:gsLst>
-                  <a:gs pos="0">
-                    <a:srgbClr val="404040"/>
-                  </a:gs>
-                  <a:gs pos="100000">
-                    <a:srgbClr val="404040"/>
-                  </a:gs>
-                </a:gsLst>
-                <a:lin ang="5400000" scaled="0"/>
-              </a:gradFill>
-              <a:latin typeface="나눔고딕" panose="020D0604000000000000" pitchFamily="50" charset="-127"/>
-              <a:ea typeface="나눔고딕 ExtraBold"/>
-            </a:endParaRPr>
-          </a:p>
-          <a:p>
-            <a:pPr algn="l">
-              <a:lnSpc>
-                <a:spcPct val="150000"/>
-              </a:lnSpc>
-              <a:defRPr/>
-            </a:pPr>
-            <a:r>
-              <a:rPr lang="en-US" altLang="ko-KR" sz="1600" b="1" dirty="0" smtClean="0">
-                <a:gradFill>
-                  <a:gsLst>
-                    <a:gs pos="0">
-                      <a:srgbClr val="404040"/>
-                    </a:gs>
-                    <a:gs pos="100000">
-                      <a:srgbClr val="404040"/>
-                    </a:gs>
-                  </a:gsLst>
-                  <a:lin ang="5400000" scaled="0"/>
-                </a:gradFill>
-                <a:latin typeface="나눔고딕" panose="020D0604000000000000" pitchFamily="50" charset="-127"/>
-                <a:ea typeface="나눔고딕 ExtraBold"/>
-              </a:rPr>
-              <a:t>     </a:t>
-            </a:r>
-            <a:r>
-              <a:rPr lang="en-US" altLang="ko-KR" sz="1600" b="1" dirty="0">
-                <a:gradFill>
-                  <a:gsLst>
-                    <a:gs pos="0">
-                      <a:srgbClr val="404040"/>
-                    </a:gs>
-                    <a:gs pos="100000">
-                      <a:srgbClr val="404040"/>
-                    </a:gs>
-                  </a:gsLst>
-                  <a:lin ang="5400000" scaled="0"/>
-                </a:gradFill>
-                <a:latin typeface="나눔고딕" panose="020D0604000000000000" pitchFamily="50" charset="-127"/>
-                <a:ea typeface="나눔고딕 ExtraBold"/>
-              </a:rPr>
-              <a:t>- one-hot </a:t>
-            </a:r>
-            <a:r>
-              <a:rPr lang="ko-KR" altLang="en-US" sz="1600" b="1" dirty="0" err="1">
-                <a:gradFill>
-                  <a:gsLst>
-                    <a:gs pos="0">
-                      <a:srgbClr val="404040"/>
-                    </a:gs>
-                    <a:gs pos="100000">
-                      <a:srgbClr val="404040"/>
-                    </a:gs>
-                  </a:gsLst>
-                  <a:lin ang="5400000" scaled="0"/>
-                </a:gradFill>
-                <a:latin typeface="나눔고딕" panose="020D0604000000000000" pitchFamily="50" charset="-127"/>
-                <a:ea typeface="나눔고딕 ExtraBold"/>
-              </a:rPr>
-              <a:t>인코딩</a:t>
             </a:r>
             <a:endParaRPr lang="en-US" altLang="ko-KR" sz="1600" b="1" dirty="0">
               <a:gradFill>
@@ -17898,40 +17279,99 @@
               <a:defRPr/>
             </a:pPr>
             <a:r>
-              <a:rPr lang="en-US" altLang="ko-KR" sz="1600" b="1" dirty="0" smtClean="0">
-                <a:gradFill>
-                  <a:gsLst>
-                    <a:gs pos="0">
-                      <a:srgbClr val="404040"/>
-                    </a:gs>
-                    <a:gs pos="100000">
-                      <a:srgbClr val="404040"/>
-                    </a:gs>
-                  </a:gsLst>
-                  <a:lin ang="5400000" scaled="0"/>
-                </a:gradFill>
-                <a:latin typeface="나눔고딕" panose="020D0604000000000000" pitchFamily="50" charset="-127"/>
-                <a:ea typeface="나눔고딕 ExtraBold"/>
-              </a:rPr>
-              <a:t>     - </a:t>
-            </a:r>
-            <a:r>
-              <a:rPr lang="ko-KR" altLang="en-US" sz="1600" b="1" dirty="0">
-                <a:gradFill>
-                  <a:gsLst>
-                    <a:gs pos="0">
-                      <a:srgbClr val="404040"/>
-                    </a:gs>
-                    <a:gs pos="100000">
-                      <a:srgbClr val="404040"/>
-                    </a:gs>
-                  </a:gsLst>
-                  <a:lin ang="5400000" scaled="0"/>
-                </a:gradFill>
-                <a:latin typeface="나눔고딕" panose="020D0604000000000000" pitchFamily="50" charset="-127"/>
-                <a:ea typeface="나눔고딕 ExtraBold"/>
-              </a:rPr>
-              <a:t>소프트 맥스 함수</a:t>
+              <a:rPr lang="en-US" altLang="ko-KR" sz="2400" b="1" dirty="0">
+                <a:gradFill>
+                  <a:gsLst>
+                    <a:gs pos="0">
+                      <a:srgbClr val="404040"/>
+                    </a:gs>
+                    <a:gs pos="100000">
+                      <a:srgbClr val="404040"/>
+                    </a:gs>
+                  </a:gsLst>
+                  <a:lin ang="5400000" scaled="0"/>
+                </a:gradFill>
+                <a:latin typeface="나눔고딕" panose="020D0604000000000000" pitchFamily="50" charset="-127"/>
+                <a:ea typeface="나눔고딕 ExtraBold"/>
+              </a:rPr>
+              <a:t>2. </a:t>
+            </a:r>
+            <a:r>
+              <a:rPr lang="ko-KR" altLang="en-US" sz="2400" b="1" dirty="0">
+                <a:gradFill>
+                  <a:gsLst>
+                    <a:gs pos="0">
+                      <a:srgbClr val="404040"/>
+                    </a:gs>
+                    <a:gs pos="100000">
+                      <a:srgbClr val="404040"/>
+                    </a:gs>
+                  </a:gsLst>
+                  <a:lin ang="5400000" scaled="0"/>
+                </a:gradFill>
+                <a:latin typeface="나눔고딕" panose="020D0604000000000000" pitchFamily="50" charset="-127"/>
+                <a:ea typeface="나눔고딕 ExtraBold"/>
+              </a:rPr>
+              <a:t>다중 분류 문제</a:t>
+            </a:r>
+            <a:endParaRPr lang="en-US" altLang="ko-KR" sz="2400" b="1" dirty="0">
+              <a:gradFill>
+                <a:gsLst>
+                  <a:gs pos="0">
+                    <a:srgbClr val="404040"/>
+                  </a:gs>
+                  <a:gs pos="100000">
+                    <a:srgbClr val="404040"/>
+                  </a:gs>
+                </a:gsLst>
+                <a:lin ang="5400000" scaled="0"/>
+              </a:gradFill>
+              <a:latin typeface="나눔고딕" panose="020D0604000000000000" pitchFamily="50" charset="-127"/>
+              <a:ea typeface="나눔고딕 ExtraBold"/>
+            </a:endParaRPr>
+          </a:p>
+          <a:p>
+            <a:pPr algn="l">
+              <a:lnSpc>
+                <a:spcPct val="150000"/>
+              </a:lnSpc>
+              <a:defRPr/>
+            </a:pPr>
+            <a:r>
+              <a:rPr lang="en-US" altLang="ko-KR" sz="1600" b="1" dirty="0">
+                <a:gradFill>
+                  <a:gsLst>
+                    <a:gs pos="0">
+                      <a:srgbClr val="404040"/>
+                    </a:gs>
+                    <a:gs pos="100000">
+                      <a:srgbClr val="404040"/>
+                    </a:gs>
+                  </a:gsLst>
+                  <a:lin ang="5400000" scaled="0"/>
+                </a:gradFill>
+                <a:latin typeface="나눔고딕" panose="020D0604000000000000" pitchFamily="50" charset="-127"/>
+                <a:ea typeface="나눔고딕 ExtraBold"/>
+              </a:rPr>
+              <a:t>     - one-hot </a:t>
+            </a:r>
+            <a:r>
+              <a:rPr lang="ko-KR" altLang="en-US" sz="1600" b="1" dirty="0" err="1">
+                <a:gradFill>
+                  <a:gsLst>
+                    <a:gs pos="0">
+                      <a:srgbClr val="404040"/>
+                    </a:gs>
+                    <a:gs pos="100000">
+                      <a:srgbClr val="404040"/>
+                    </a:gs>
+                  </a:gsLst>
+                  <a:lin ang="5400000" scaled="0"/>
+                </a:gradFill>
+                <a:latin typeface="나눔고딕" panose="020D0604000000000000" pitchFamily="50" charset="-127"/>
+                <a:ea typeface="나눔고딕 ExtraBold"/>
+              </a:rPr>
+              <a:t>인코딩</a:t>
             </a:r>
             <a:endParaRPr lang="en-US" altLang="ko-KR" sz="1600" b="1" dirty="0">
               <a:gradFill>
@@ -17957,60 +17397,42 @@
               <a:defRPr/>
             </a:pPr>
             <a:r>
-              <a:rPr lang="en-US" altLang="ko-KR" sz="2400" b="1" dirty="0" smtClean="0">
-                <a:gradFill>
-                  <a:gsLst>
-                    <a:gs pos="0">
-                      <a:srgbClr val="404040"/>
-                    </a:gs>
-                    <a:gs pos="100000">
-                      <a:srgbClr val="404040"/>
-                    </a:gs>
-                  </a:gsLst>
-                  <a:lin ang="5400000" scaled="0"/>
-                </a:gradFill>
-                <a:latin typeface="나눔고딕" panose="020D0604000000000000" pitchFamily="50" charset="-127"/>
-                <a:ea typeface="나눔고딕 ExtraBold"/>
-              </a:rPr>
-              <a:t>3. </a:t>
-            </a:r>
-            <a:r>
-              <a:rPr lang="ko-KR" altLang="en-US" sz="2400" b="1" dirty="0" err="1" smtClean="0">
-                <a:gradFill>
-                  <a:gsLst>
-                    <a:gs pos="0">
-                      <a:srgbClr val="404040"/>
-                    </a:gs>
-                    <a:gs pos="100000">
-                      <a:srgbClr val="404040"/>
-                    </a:gs>
-                  </a:gsLst>
-                  <a:lin ang="5400000" scaled="0"/>
-                </a:gradFill>
-                <a:latin typeface="나눔고딕" panose="020D0604000000000000" pitchFamily="50" charset="-127"/>
-                <a:ea typeface="나눔고딕 ExtraBold"/>
-              </a:rPr>
-              <a:t>과적합</a:t>
-            </a:r>
-            <a:r>
-              <a:rPr lang="ko-KR" altLang="en-US" sz="2400" b="1" dirty="0" smtClean="0">
-                <a:gradFill>
-                  <a:gsLst>
-                    <a:gs pos="0">
-                      <a:srgbClr val="404040"/>
-                    </a:gs>
-                    <a:gs pos="100000">
-                      <a:srgbClr val="404040"/>
-                    </a:gs>
-                  </a:gsLst>
-                  <a:lin ang="5400000" scaled="0"/>
-                </a:gradFill>
-                <a:latin typeface="나눔고딕" panose="020D0604000000000000" pitchFamily="50" charset="-127"/>
-                <a:ea typeface="나눔고딕 ExtraBold"/>
-              </a:rPr>
-              <a:t> 문제</a:t>
-            </a:r>
-            <a:endParaRPr lang="en-US" altLang="ko-KR" sz="2400" b="1" dirty="0" smtClean="0">
+              <a:rPr lang="en-US" altLang="ko-KR" sz="1600" b="1" dirty="0">
+                <a:gradFill>
+                  <a:gsLst>
+                    <a:gs pos="0">
+                      <a:srgbClr val="404040"/>
+                    </a:gs>
+                    <a:gs pos="100000">
+                      <a:srgbClr val="404040"/>
+                    </a:gs>
+                  </a:gsLst>
+                  <a:lin ang="5400000" scaled="0"/>
+                </a:gradFill>
+                <a:latin typeface="나눔고딕" panose="020D0604000000000000" pitchFamily="50" charset="-127"/>
+                <a:ea typeface="나눔고딕 ExtraBold"/>
+              </a:rPr>
+              <a:t>     - </a:t>
+            </a:r>
+            <a:r>
+              <a:rPr lang="ko-KR" altLang="en-US" sz="1600" b="1" dirty="0">
+                <a:gradFill>
+                  <a:gsLst>
+                    <a:gs pos="0">
+                      <a:srgbClr val="404040"/>
+                    </a:gs>
+                    <a:gs pos="100000">
+                      <a:srgbClr val="404040"/>
+                    </a:gs>
+                  </a:gsLst>
+                  <a:lin ang="5400000" scaled="0"/>
+                </a:gradFill>
+                <a:latin typeface="나눔고딕" panose="020D0604000000000000" pitchFamily="50" charset="-127"/>
+                <a:ea typeface="나눔고딕 ExtraBold"/>
+              </a:rPr>
+              <a:t>소프트 맥스 함수</a:t>
+            </a:r>
+            <a:endParaRPr lang="en-US" altLang="ko-KR" sz="1600" b="1" dirty="0">
               <a:gradFill>
                 <a:gsLst>
                   <a:gs pos="0">
@@ -18034,86 +17456,60 @@
               <a:defRPr/>
             </a:pPr>
             <a:r>
-              <a:rPr lang="en-US" altLang="ko-KR" sz="1600" b="1" dirty="0" smtClean="0">
-                <a:gradFill>
-                  <a:gsLst>
-                    <a:gs pos="0">
-                      <a:srgbClr val="404040"/>
-                    </a:gs>
-                    <a:gs pos="100000">
-                      <a:srgbClr val="404040"/>
-                    </a:gs>
-                  </a:gsLst>
-                  <a:lin ang="5400000" scaled="0"/>
-                </a:gradFill>
-                <a:latin typeface="나눔고딕" panose="020D0604000000000000" pitchFamily="50" charset="-127"/>
-                <a:ea typeface="나눔고딕 ExtraBold"/>
-              </a:rPr>
-              <a:t>     - Training </a:t>
-            </a:r>
-            <a:r>
-              <a:rPr lang="en-US" altLang="ko-KR" sz="1600" b="1" dirty="0">
-                <a:gradFill>
-                  <a:gsLst>
-                    <a:gs pos="0">
-                      <a:srgbClr val="404040"/>
-                    </a:gs>
-                    <a:gs pos="100000">
-                      <a:srgbClr val="404040"/>
-                    </a:gs>
-                  </a:gsLst>
-                  <a:lin ang="5400000" scaled="0"/>
-                </a:gradFill>
-                <a:latin typeface="나눔고딕" panose="020D0604000000000000" pitchFamily="50" charset="-127"/>
-                <a:ea typeface="나눔고딕 ExtraBold"/>
-              </a:rPr>
-              <a:t>set, Test set</a:t>
-            </a:r>
-          </a:p>
-          <a:p>
-            <a:pPr algn="l">
-              <a:lnSpc>
-                <a:spcPct val="150000"/>
-              </a:lnSpc>
-              <a:defRPr/>
-            </a:pPr>
-            <a:r>
-              <a:rPr lang="en-US" altLang="ko-KR" sz="2400" b="1" dirty="0" smtClean="0">
-                <a:gradFill>
-                  <a:gsLst>
-                    <a:gs pos="0">
-                      <a:srgbClr val="404040"/>
-                    </a:gs>
-                    <a:gs pos="100000">
-                      <a:srgbClr val="404040"/>
-                    </a:gs>
-                  </a:gsLst>
-                  <a:lin ang="5400000" scaled="0"/>
-                </a:gradFill>
-                <a:latin typeface="나눔고딕" panose="020D0604000000000000" pitchFamily="50" charset="-127"/>
-                <a:ea typeface="나눔고딕 ExtraBold"/>
-              </a:rPr>
-              <a:t>4. </a:t>
-            </a:r>
-            <a:r>
-              <a:rPr lang="ko-KR" altLang="en-US" sz="2400" b="1" dirty="0" smtClean="0">
-                <a:gradFill>
-                  <a:gsLst>
-                    <a:gs pos="0">
-                      <a:srgbClr val="404040"/>
-                    </a:gs>
-                    <a:gs pos="100000">
-                      <a:srgbClr val="404040"/>
-                    </a:gs>
-                  </a:gsLst>
-                  <a:lin ang="5400000" scaled="0"/>
-                </a:gradFill>
-                <a:latin typeface="나눔고딕" panose="020D0604000000000000" pitchFamily="50" charset="-127"/>
-                <a:ea typeface="나눔고딕 ExtraBold"/>
-              </a:rPr>
-              <a:t>베스트 모델</a:t>
-            </a:r>
-            <a:endParaRPr lang="en-US" altLang="ko-KR" sz="2400" b="1" dirty="0" smtClean="0">
+              <a:rPr lang="en-US" altLang="ko-KR" sz="2400" b="1" dirty="0">
+                <a:gradFill>
+                  <a:gsLst>
+                    <a:gs pos="0">
+                      <a:srgbClr val="404040"/>
+                    </a:gs>
+                    <a:gs pos="100000">
+                      <a:srgbClr val="404040"/>
+                    </a:gs>
+                  </a:gsLst>
+                  <a:lin ang="5400000" scaled="0"/>
+                </a:gradFill>
+                <a:latin typeface="나눔고딕" panose="020D0604000000000000" pitchFamily="50" charset="-127"/>
+                <a:ea typeface="나눔고딕 ExtraBold"/>
+              </a:rPr>
+              <a:t>3. </a:t>
+            </a:r>
+            <a:r>
+              <a:rPr lang="ko-KR" altLang="en-US" sz="2400" b="1" dirty="0" err="1">
+                <a:gradFill>
+                  <a:gsLst>
+                    <a:gs pos="0">
+                      <a:srgbClr val="404040"/>
+                    </a:gs>
+                    <a:gs pos="100000">
+                      <a:srgbClr val="404040"/>
+                    </a:gs>
+                  </a:gsLst>
+                  <a:lin ang="5400000" scaled="0"/>
+                </a:gradFill>
+                <a:latin typeface="나눔고딕" panose="020D0604000000000000" pitchFamily="50" charset="-127"/>
+                <a:ea typeface="나눔고딕 ExtraBold"/>
+              </a:rPr>
+              <a:t>과적합</a:t>
+            </a:r>
+            <a:r>
+              <a:rPr lang="ko-KR" altLang="en-US" sz="2400" b="1" dirty="0">
+                <a:gradFill>
+                  <a:gsLst>
+                    <a:gs pos="0">
+                      <a:srgbClr val="404040"/>
+                    </a:gs>
+                    <a:gs pos="100000">
+                      <a:srgbClr val="404040"/>
+                    </a:gs>
+                  </a:gsLst>
+                  <a:lin ang="5400000" scaled="0"/>
+                </a:gradFill>
+                <a:latin typeface="나눔고딕" panose="020D0604000000000000" pitchFamily="50" charset="-127"/>
+                <a:ea typeface="나눔고딕 ExtraBold"/>
+              </a:rPr>
+              <a:t> 문제</a:t>
+            </a:r>
+            <a:endParaRPr lang="en-US" altLang="ko-KR" sz="2400" b="1" dirty="0">
               <a:gradFill>
                 <a:gsLst>
                   <a:gs pos="0">
@@ -18137,60 +17533,68 @@
               <a:defRPr/>
             </a:pPr>
             <a:r>
-              <a:rPr lang="ko-KR" altLang="en-US" sz="1600" b="1" dirty="0" smtClean="0">
-                <a:gradFill>
-                  <a:gsLst>
-                    <a:gs pos="0">
-                      <a:srgbClr val="404040"/>
-                    </a:gs>
-                    <a:gs pos="100000">
-                      <a:srgbClr val="404040"/>
-                    </a:gs>
-                  </a:gsLst>
-                  <a:lin ang="5400000" scaled="0"/>
-                </a:gradFill>
-                <a:latin typeface="나눔고딕" panose="020D0604000000000000" pitchFamily="50" charset="-127"/>
-                <a:ea typeface="나눔고딕 ExtraBold"/>
-              </a:rPr>
-              <a:t>     </a:t>
-            </a:r>
-            <a:r>
-              <a:rPr lang="en-US" altLang="ko-KR" sz="1600" b="1" dirty="0" smtClean="0">
-                <a:gradFill>
-                  <a:gsLst>
-                    <a:gs pos="0">
-                      <a:srgbClr val="404040"/>
-                    </a:gs>
-                    <a:gs pos="100000">
-                      <a:srgbClr val="404040"/>
-                    </a:gs>
-                  </a:gsLst>
-                  <a:lin ang="5400000" scaled="0"/>
-                </a:gradFill>
-                <a:latin typeface="나눔고딕" panose="020D0604000000000000" pitchFamily="50" charset="-127"/>
-                <a:ea typeface="나눔고딕 ExtraBold"/>
-              </a:rPr>
-              <a:t>- </a:t>
-            </a:r>
-            <a:r>
-              <a:rPr lang="ko-KR" altLang="en-US" sz="1600" b="1" dirty="0" smtClean="0">
-                <a:gradFill>
-                  <a:gsLst>
-                    <a:gs pos="0">
-                      <a:srgbClr val="404040"/>
-                    </a:gs>
-                    <a:gs pos="100000">
-                      <a:srgbClr val="404040"/>
-                    </a:gs>
-                  </a:gsLst>
-                  <a:lin ang="5400000" scaled="0"/>
-                </a:gradFill>
-                <a:latin typeface="나눔고딕" panose="020D0604000000000000" pitchFamily="50" charset="-127"/>
-                <a:ea typeface="나눔고딕 ExtraBold"/>
-              </a:rPr>
-              <a:t>모델 업데이트 </a:t>
-            </a:r>
-            <a:endParaRPr lang="en-US" altLang="ko-KR" sz="1600" b="1" dirty="0" smtClean="0">
+              <a:rPr lang="en-US" altLang="ko-KR" sz="1600" b="1" dirty="0">
+                <a:gradFill>
+                  <a:gsLst>
+                    <a:gs pos="0">
+                      <a:srgbClr val="404040"/>
+                    </a:gs>
+                    <a:gs pos="100000">
+                      <a:srgbClr val="404040"/>
+                    </a:gs>
+                  </a:gsLst>
+                  <a:lin ang="5400000" scaled="0"/>
+                </a:gradFill>
+                <a:latin typeface="나눔고딕" panose="020D0604000000000000" pitchFamily="50" charset="-127"/>
+                <a:ea typeface="나눔고딕 ExtraBold"/>
+              </a:rPr>
+              <a:t>     - Training set, Test set</a:t>
+            </a:r>
+          </a:p>
+          <a:p>
+            <a:pPr algn="l">
+              <a:lnSpc>
+                <a:spcPct val="150000"/>
+              </a:lnSpc>
+              <a:defRPr/>
+            </a:pPr>
+            <a:r>
+              <a:rPr lang="en-US" altLang="ko-KR" sz="2400" b="1" dirty="0">
+                <a:gradFill>
+                  <a:gsLst>
+                    <a:gs pos="0">
+                      <a:srgbClr val="404040"/>
+                    </a:gs>
+                    <a:gs pos="100000">
+                      <a:srgbClr val="404040"/>
+                    </a:gs>
+                  </a:gsLst>
+                  <a:lin ang="5400000" scaled="0"/>
+                </a:gradFill>
+                <a:latin typeface="나눔고딕" panose="020D0604000000000000" pitchFamily="50" charset="-127"/>
+                <a:ea typeface="나눔고딕 ExtraBold"/>
+              </a:rPr>
+              <a:t>4. </a:t>
+            </a:r>
+            <a:r>
+              <a:rPr lang="ko-KR" altLang="en-US" sz="2400" b="1" dirty="0">
+                <a:gradFill>
+                  <a:gsLst>
+                    <a:gs pos="0">
+                      <a:srgbClr val="404040"/>
+                    </a:gs>
+                    <a:gs pos="100000">
+                      <a:srgbClr val="404040"/>
+                    </a:gs>
+                  </a:gsLst>
+                  <a:lin ang="5400000" scaled="0"/>
+                </a:gradFill>
+                <a:latin typeface="나눔고딕" panose="020D0604000000000000" pitchFamily="50" charset="-127"/>
+                <a:ea typeface="나눔고딕 ExtraBold"/>
+              </a:rPr>
+              <a:t>베스트 모델</a:t>
+            </a:r>
+            <a:endParaRPr lang="en-US" altLang="ko-KR" sz="2400" b="1" dirty="0">
               <a:gradFill>
                 <a:gsLst>
                   <a:gs pos="0">
@@ -18214,7 +17618,7 @@
               <a:defRPr/>
             </a:pPr>
             <a:r>
-              <a:rPr lang="ko-KR" altLang="en-US" sz="1600" b="1" dirty="0" smtClean="0">
+              <a:rPr lang="ko-KR" altLang="en-US" sz="1600" b="1" dirty="0">
                 <a:gradFill>
                   <a:gsLst>
                     <a:gs pos="0">
@@ -18232,7 +17636,7 @@
               <a:t>     </a:t>
             </a:r>
             <a:r>
-              <a:rPr lang="en-US" altLang="ko-KR" sz="1600" b="1" dirty="0" smtClean="0">
+              <a:rPr lang="en-US" altLang="ko-KR" sz="1600" b="1" dirty="0">
                 <a:gradFill>
                   <a:gsLst>
                     <a:gs pos="0">
@@ -18250,7 +17654,84 @@
               <a:t>- </a:t>
             </a:r>
             <a:r>
-              <a:rPr lang="ko-KR" altLang="en-US" sz="1600" b="1" dirty="0" smtClean="0">
+              <a:rPr lang="ko-KR" altLang="en-US" sz="1600" b="1" dirty="0">
+                <a:gradFill>
+                  <a:gsLst>
+                    <a:gs pos="0">
+                      <a:srgbClr val="404040"/>
+                    </a:gs>
+                    <a:gs pos="100000">
+                      <a:srgbClr val="404040"/>
+                    </a:gs>
+                  </a:gsLst>
+                  <a:lin ang="5400000" scaled="0"/>
+                </a:gradFill>
+                <a:latin typeface="나눔고딕" panose="020D0604000000000000" pitchFamily="50" charset="-127"/>
+                <a:ea typeface="나눔고딕 ExtraBold"/>
+              </a:rPr>
+              <a:t>모델 업데이트 </a:t>
+            </a:r>
+            <a:endParaRPr lang="en-US" altLang="ko-KR" sz="1600" b="1" dirty="0">
+              <a:gradFill>
+                <a:gsLst>
+                  <a:gs pos="0">
+                    <a:srgbClr val="404040"/>
+                  </a:gs>
+                  <a:gs pos="100000">
+                    <a:srgbClr val="404040"/>
+                  </a:gs>
+                </a:gsLst>
+                <a:lin ang="5400000" scaled="0"/>
+              </a:gradFill>
+              <a:latin typeface="나눔고딕" panose="020D0604000000000000" pitchFamily="50" charset="-127"/>
+              <a:ea typeface="나눔고딕 ExtraBold"/>
+            </a:endParaRPr>
+          </a:p>
+          <a:p>
+            <a:pPr algn="l">
+              <a:lnSpc>
+                <a:spcPct val="150000"/>
+              </a:lnSpc>
+              <a:defRPr/>
+            </a:pPr>
+            <a:r>
+              <a:rPr lang="ko-KR" altLang="en-US" sz="1600" b="1" dirty="0">
+                <a:gradFill>
+                  <a:gsLst>
+                    <a:gs pos="0">
+                      <a:srgbClr val="404040"/>
+                    </a:gs>
+                    <a:gs pos="100000">
+                      <a:srgbClr val="404040"/>
+                    </a:gs>
+                  </a:gsLst>
+                  <a:lin ang="5400000" scaled="0"/>
+                </a:gradFill>
+                <a:latin typeface="나눔고딕" panose="020D0604000000000000" pitchFamily="50" charset="-127"/>
+                <a:ea typeface="나눔고딕 ExtraBold"/>
+              </a:rPr>
+              <a:t>     </a:t>
+            </a:r>
+            <a:r>
+              <a:rPr lang="en-US" altLang="ko-KR" sz="1600" b="1" dirty="0">
+                <a:gradFill>
+                  <a:gsLst>
+                    <a:gs pos="0">
+                      <a:srgbClr val="404040"/>
+                    </a:gs>
+                    <a:gs pos="100000">
+                      <a:srgbClr val="404040"/>
+                    </a:gs>
+                  </a:gsLst>
+                  <a:lin ang="5400000" scaled="0"/>
+                </a:gradFill>
+                <a:latin typeface="나눔고딕" panose="020D0604000000000000" pitchFamily="50" charset="-127"/>
+                <a:ea typeface="나눔고딕 ExtraBold"/>
+              </a:rPr>
+              <a:t>- </a:t>
+            </a:r>
+            <a:r>
+              <a:rPr lang="ko-KR" altLang="en-US" sz="1600" b="1" dirty="0">
                 <a:gradFill>
                   <a:gsLst>
                     <a:gs pos="0">
@@ -18267,7 +17748,7 @@
               </a:rPr>
               <a:t>학습 자동 중단</a:t>
             </a:r>
-            <a:endParaRPr lang="en-US" altLang="ko-KR" sz="1600" b="1" dirty="0" smtClean="0">
+            <a:endParaRPr lang="en-US" altLang="ko-KR" sz="1600" b="1" dirty="0">
               <a:gradFill>
                 <a:gsLst>
                   <a:gs pos="0">
@@ -18295,13 +17776,6 @@
   <p:clrMapOvr>
     <a:masterClrMapping/>
   </p:clrMapOvr>
-  <p:timing>
-    <p:tnLst>
-      <p:par>
-        <p:cTn id="1" dur="indefinite" restart="never" nodeType="tmRoot"/>
-      </p:par>
-    </p:tnLst>
-  </p:timing>
 </p:sld>
 </file>
 
@@ -18504,7 +17978,7 @@
               <a:defRPr/>
             </a:pPr>
             <a:r>
-              <a:rPr lang="ko-KR" altLang="en-US" sz="3800" kern="0" dirty="0" smtClean="0">
+              <a:rPr lang="ko-KR" altLang="en-US" sz="3800" kern="0" dirty="0">
                 <a:solidFill>
                   <a:schemeClr val="tx1"/>
                 </a:solidFill>
@@ -18710,7 +18184,7 @@
               <a:defRPr/>
             </a:pPr>
             <a:r>
-              <a:rPr lang="en-US" altLang="ko-KR" sz="3800" kern="0" dirty="0" smtClean="0">
+              <a:rPr lang="en-US" altLang="ko-KR" sz="3800" kern="0" dirty="0">
                 <a:solidFill>
                   <a:srgbClr val="0070C0"/>
                 </a:solidFill>
@@ -18720,7 +18194,7 @@
               </a:rPr>
               <a:t>01.</a:t>
             </a:r>
-            <a:endParaRPr lang="ko-KR" altLang="en-US" sz="3800" kern="0" dirty="0" smtClean="0">
+            <a:endParaRPr lang="ko-KR" altLang="en-US" sz="3800" kern="0" dirty="0">
               <a:solidFill>
                 <a:srgbClr val="0070C0"/>
               </a:solidFill>
@@ -18736,13 +18210,6 @@
   <p:clrMapOvr>
     <a:masterClrMapping/>
   </p:clrMapOvr>
-  <p:timing>
-    <p:tnLst>
-      <p:par>
-        <p:cTn id="1" dur="indefinite" restart="never" nodeType="tmRoot"/>
-      </p:par>
-    </p:tnLst>
-  </p:timing>
 </p:sld>
 </file>
 
@@ -18811,14 +18278,14 @@
               <a:buNone/>
             </a:pPr>
             <a:r>
-              <a:rPr lang="en-US" altLang="ko-KR" sz="2800" dirty="0" smtClean="0">
+              <a:rPr lang="en-US" altLang="ko-KR" sz="2800" dirty="0">
                 <a:latin typeface="나눔고딕 ExtraBold" panose="020D0904000000000000" pitchFamily="50" charset="-127"/>
                 <a:ea typeface="나눔고딕 ExtraBold" panose="020D0904000000000000" pitchFamily="50" charset="-127"/>
               </a:rPr>
               <a:t>1. </a:t>
             </a:r>
             <a:r>
-              <a:rPr lang="ko-KR" altLang="en-US" sz="2800" dirty="0" smtClean="0">
+              <a:rPr lang="ko-KR" altLang="en-US" sz="2800" dirty="0">
                 <a:latin typeface="나눔고딕 ExtraBold" panose="020D0904000000000000" pitchFamily="50" charset="-127"/>
                 <a:ea typeface="나눔고딕 ExtraBold" panose="020D0904000000000000" pitchFamily="50" charset="-127"/>
               </a:rPr>
@@ -19114,7 +18581,7 @@
               <a:defRPr/>
             </a:pPr>
             <a:r>
-              <a:rPr lang="ko-KR" altLang="en-US" sz="2000" b="1" dirty="0" smtClean="0">
+              <a:rPr lang="ko-KR" altLang="en-US" sz="2000" b="1" dirty="0">
                 <a:gradFill>
                   <a:gsLst>
                     <a:gs pos="0">
@@ -19438,7 +18905,7 @@
               <a:defRPr/>
             </a:pPr>
             <a:r>
-              <a:rPr lang="ko-KR" altLang="en-US" sz="1600" b="1" dirty="0" smtClean="0">
+              <a:rPr lang="ko-KR" altLang="en-US" sz="1600" b="1" dirty="0">
                 <a:gradFill>
                   <a:gsLst>
                     <a:gs pos="0">
@@ -19455,7 +18922,7 @@
               </a:rPr>
               <a:t>피마 인디언은 미국 남서부에 살고 있는 원주민</a:t>
             </a:r>
-            <a:endParaRPr lang="en-US" altLang="ko-KR" sz="1600" b="1" dirty="0" smtClean="0">
+            <a:endParaRPr lang="en-US" altLang="ko-KR" sz="1600" b="1" dirty="0">
               <a:gradFill>
                 <a:gsLst>
                   <a:gs pos="0">
@@ -19478,7 +18945,7 @@
               <a:defRPr/>
             </a:pPr>
             <a:r>
-              <a:rPr lang="en-US" altLang="ko-KR" sz="1600" b="1" dirty="0" smtClean="0">
+              <a:rPr lang="en-US" altLang="ko-KR" sz="1600" b="1" dirty="0">
                 <a:gradFill>
                   <a:gsLst>
                     <a:gs pos="0">
@@ -19496,7 +18963,7 @@
               <a:t>1950</a:t>
             </a:r>
             <a:r>
-              <a:rPr lang="ko-KR" altLang="en-US" sz="1600" b="1" dirty="0" smtClean="0">
+              <a:rPr lang="ko-KR" altLang="en-US" sz="1600" b="1" dirty="0">
                 <a:gradFill>
                   <a:gsLst>
                     <a:gs pos="0">
@@ -19513,7 +18980,7 @@
               </a:rPr>
               <a:t>년대까지만 해도 비만이 단 한 명도 없는 민족</a:t>
             </a:r>
-            <a:endParaRPr lang="en-US" altLang="ko-KR" sz="1600" b="1" dirty="0" smtClean="0">
+            <a:endParaRPr lang="en-US" altLang="ko-KR" sz="1600" b="1" dirty="0">
               <a:gradFill>
                 <a:gsLst>
                   <a:gs pos="0">
@@ -19536,7 +19003,7 @@
               <a:defRPr/>
             </a:pPr>
             <a:r>
-              <a:rPr lang="ko-KR" altLang="en-US" sz="1600" b="1" dirty="0" smtClean="0">
+              <a:rPr lang="ko-KR" altLang="en-US" sz="1600" b="1" dirty="0">
                 <a:gradFill>
                   <a:gsLst>
                     <a:gs pos="0">
@@ -19554,7 +19021,7 @@
               <a:t>현재 전체 부족의 </a:t>
             </a:r>
             <a:r>
-              <a:rPr lang="en-US" altLang="ko-KR" sz="1600" b="1" dirty="0" smtClean="0">
+              <a:rPr lang="en-US" altLang="ko-KR" sz="1600" b="1" dirty="0">
                 <a:gradFill>
                   <a:gsLst>
                     <a:gs pos="0">
@@ -19572,7 +19039,7 @@
               <a:t>60%</a:t>
             </a:r>
             <a:r>
-              <a:rPr lang="ko-KR" altLang="en-US" sz="1600" b="1" dirty="0" smtClean="0">
+              <a:rPr lang="ko-KR" altLang="en-US" sz="1600" b="1" dirty="0">
                 <a:gradFill>
                   <a:gsLst>
                     <a:gs pos="0">
@@ -19590,7 +19057,7 @@
               <a:t>가 당뇨</a:t>
             </a:r>
             <a:r>
-              <a:rPr lang="en-US" altLang="ko-KR" sz="1600" b="1" dirty="0" smtClean="0">
+              <a:rPr lang="en-US" altLang="ko-KR" sz="1600" b="1" dirty="0">
                 <a:gradFill>
                   <a:gsLst>
                     <a:gs pos="0">
@@ -19608,7 +19075,7 @@
               <a:t>, 80%</a:t>
             </a:r>
             <a:r>
-              <a:rPr lang="ko-KR" altLang="en-US" sz="1600" b="1" dirty="0" smtClean="0">
+              <a:rPr lang="ko-KR" altLang="en-US" sz="1600" b="1" dirty="0">
                 <a:gradFill>
                   <a:gsLst>
                     <a:gs pos="0">
@@ -19625,7 +19092,7 @@
               </a:rPr>
               <a:t>가 비만</a:t>
             </a:r>
-            <a:endParaRPr lang="en-US" altLang="ko-KR" sz="1600" b="1" dirty="0" smtClean="0">
+            <a:endParaRPr lang="en-US" altLang="ko-KR" sz="1600" b="1" dirty="0">
               <a:gradFill>
                 <a:gsLst>
                   <a:gs pos="0">
@@ -19930,7 +19397,7 @@
               <a:defRPr/>
             </a:pPr>
             <a:r>
-              <a:rPr lang="ko-KR" altLang="en-US" sz="1600" b="1" dirty="0" smtClean="0">
+              <a:rPr lang="ko-KR" altLang="en-US" sz="1600" b="1" dirty="0">
                 <a:gradFill>
                   <a:gsLst>
                     <a:gs pos="0">
@@ -19948,7 +19415,7 @@
               <a:t>비만은 유전일까</a:t>
             </a:r>
             <a:r>
-              <a:rPr lang="en-US" altLang="ko-KR" sz="1600" b="1" dirty="0" smtClean="0">
+              <a:rPr lang="en-US" altLang="ko-KR" sz="1600" b="1" dirty="0">
                 <a:gradFill>
                   <a:gsLst>
                     <a:gs pos="0">
@@ -19966,7 +19433,7 @@
               <a:t>? </a:t>
             </a:r>
             <a:r>
-              <a:rPr lang="ko-KR" altLang="en-US" sz="1600" b="1" dirty="0" smtClean="0">
+              <a:rPr lang="ko-KR" altLang="en-US" sz="1600" b="1" dirty="0">
                 <a:gradFill>
                   <a:gsLst>
                     <a:gs pos="0">
@@ -19984,7 +19451,7 @@
               <a:t>아니면 식습관 조절에 실패한 자신의 탓일까</a:t>
             </a:r>
             <a:r>
-              <a:rPr lang="en-US" altLang="ko-KR" sz="1600" b="1" dirty="0" smtClean="0">
+              <a:rPr lang="en-US" altLang="ko-KR" sz="1600" b="1" dirty="0">
                 <a:gradFill>
                   <a:gsLst>
                     <a:gs pos="0">
@@ -20291,7 +19758,7 @@
               <a:defRPr/>
             </a:pPr>
             <a:r>
-              <a:rPr lang="ko-KR" altLang="en-US" sz="1600" b="1" dirty="0" smtClean="0">
+              <a:rPr lang="ko-KR" altLang="en-US" sz="1600" b="1" dirty="0">
                 <a:gradFill>
                   <a:gsLst>
                     <a:gs pos="0">
@@ -20309,7 +19776,7 @@
               <a:t>결론은 비만이 유전 및 환경</a:t>
             </a:r>
             <a:r>
-              <a:rPr lang="en-US" altLang="ko-KR" sz="1600" b="1" dirty="0" smtClean="0">
+              <a:rPr lang="en-US" altLang="ko-KR" sz="1600" b="1" dirty="0">
                 <a:gradFill>
                   <a:gsLst>
                     <a:gs pos="0">
@@ -20327,7 +19794,7 @@
               <a:t>, </a:t>
             </a:r>
             <a:r>
-              <a:rPr lang="ko-KR" altLang="en-US" sz="1600" b="1" dirty="0" smtClean="0">
+              <a:rPr lang="ko-KR" altLang="en-US" sz="1600" b="1" dirty="0">
                 <a:gradFill>
                   <a:gsLst>
                     <a:gs pos="0">
@@ -20344,7 +19811,7 @@
               </a:rPr>
               <a:t>모두의 탓</a:t>
             </a:r>
-            <a:endParaRPr lang="en-US" altLang="ko-KR" sz="1600" b="1" dirty="0" smtClean="0">
+            <a:endParaRPr lang="en-US" altLang="ko-KR" sz="1600" b="1" dirty="0">
               <a:gradFill>
                 <a:gsLst>
                   <a:gs pos="0">
@@ -20411,13 +19878,6 @@
   <p:clrMapOvr>
     <a:masterClrMapping/>
   </p:clrMapOvr>
-  <p:timing>
-    <p:tnLst>
-      <p:par>
-        <p:cTn id="1" dur="indefinite" restart="never" nodeType="tmRoot"/>
-      </p:par>
-    </p:tnLst>
-  </p:timing>
 </p:sld>
 </file>
 
@@ -20486,14 +19946,14 @@
               <a:buNone/>
             </a:pPr>
             <a:r>
-              <a:rPr lang="en-US" altLang="ko-KR" sz="2800" dirty="0" smtClean="0">
+              <a:rPr lang="en-US" altLang="ko-KR" sz="2800" dirty="0">
                 <a:latin typeface="나눔고딕 ExtraBold" panose="020D0904000000000000" pitchFamily="50" charset="-127"/>
                 <a:ea typeface="나눔고딕 ExtraBold" panose="020D0904000000000000" pitchFamily="50" charset="-127"/>
               </a:rPr>
               <a:t>1. </a:t>
             </a:r>
             <a:r>
-              <a:rPr lang="ko-KR" altLang="en-US" sz="2800" dirty="0" smtClean="0">
+              <a:rPr lang="ko-KR" altLang="en-US" sz="2800" dirty="0">
                 <a:latin typeface="나눔고딕 ExtraBold" panose="020D0904000000000000" pitchFamily="50" charset="-127"/>
                 <a:ea typeface="나눔고딕 ExtraBold" panose="020D0904000000000000" pitchFamily="50" charset="-127"/>
               </a:rPr>
@@ -20690,7 +20150,7 @@
               </a:lnSpc>
             </a:pPr>
             <a:r>
-              <a:rPr lang="en-US" altLang="ko-KR" sz="1200" dirty="0" smtClean="0">
+              <a:rPr lang="en-US" altLang="ko-KR" sz="1200" dirty="0">
                 <a:gradFill>
                   <a:gsLst>
                     <a:gs pos="0">
@@ -20769,7 +20229,7 @@
               </a:lnSpc>
             </a:pPr>
             <a:r>
-              <a:rPr lang="en-US" altLang="ko-KR" sz="1200" dirty="0" smtClean="0">
+              <a:rPr lang="en-US" altLang="ko-KR" sz="1200" dirty="0">
                 <a:gradFill>
                   <a:gsLst>
                     <a:gs pos="0">
@@ -20823,24 +20283,6 @@
               <a:t>2 (plasma): </a:t>
             </a:r>
             <a:r>
-              <a:rPr lang="ko-KR" altLang="en-US" sz="1200" dirty="0" smtClean="0">
-                <a:gradFill>
-                  <a:gsLst>
-                    <a:gs pos="0">
-                      <a:srgbClr val="404040"/>
-                    </a:gs>
-                    <a:gs pos="100000">
-                      <a:srgbClr val="404040"/>
-                    </a:gs>
-                  </a:gsLst>
-                  <a:lin ang="5400000" scaled="0"/>
-                </a:gradFill>
-                <a:latin typeface="나눔고딕" panose="020D0604000000000000" pitchFamily="50" charset="-127"/>
-                <a:ea typeface="나눔고딕 ExtraBold"/>
-              </a:rPr>
-              <a:t>공복 </a:t>
-            </a:r>
-            <a:r>
               <a:rPr lang="ko-KR" altLang="en-US" sz="1200" dirty="0">
                 <a:gradFill>
                   <a:gsLst>
@@ -20856,7 +20298,7 @@
                 <a:latin typeface="나눔고딕" panose="020D0604000000000000" pitchFamily="50" charset="-127"/>
                 <a:ea typeface="나눔고딕 ExtraBold"/>
               </a:rPr>
-              <a:t>혈당 농도</a:t>
+              <a:t>공복 혈당 농도</a:t>
             </a:r>
             <a:r>
               <a:rPr lang="en-US" altLang="ko-KR" sz="1200" dirty="0">
@@ -20884,7 +20326,7 @@
               </a:lnSpc>
             </a:pPr>
             <a:r>
-              <a:rPr lang="en-US" altLang="ko-KR" sz="1200" dirty="0" smtClean="0">
+              <a:rPr lang="en-US" altLang="ko-KR" sz="1200" dirty="0">
                 <a:gradFill>
                   <a:gsLst>
                     <a:gs pos="0">
@@ -20999,7 +20441,7 @@
               </a:lnSpc>
             </a:pPr>
             <a:r>
-              <a:rPr lang="en-US" altLang="ko-KR" sz="1200" dirty="0" smtClean="0">
+              <a:rPr lang="en-US" altLang="ko-KR" sz="1200" dirty="0">
                 <a:gradFill>
                   <a:gsLst>
                     <a:gs pos="0">
@@ -21114,7 +20556,7 @@
               </a:lnSpc>
             </a:pPr>
             <a:r>
-              <a:rPr lang="en-US" altLang="ko-KR" sz="1600" b="1" dirty="0" smtClean="0">
+              <a:rPr lang="en-US" altLang="ko-KR" sz="1600" b="1" dirty="0">
                 <a:gradFill>
                   <a:gsLst>
                     <a:gs pos="0">
@@ -21269,7 +20711,7 @@
               </a:lnSpc>
             </a:pPr>
             <a:r>
-              <a:rPr lang="en-US" altLang="ko-KR" sz="1200" dirty="0" smtClean="0">
+              <a:rPr lang="en-US" altLang="ko-KR" sz="1200" dirty="0">
                 <a:gradFill>
                   <a:gsLst>
                     <a:gs pos="0">
@@ -21366,7 +20808,7 @@
               </a:lnSpc>
             </a:pPr>
             <a:r>
-              <a:rPr lang="en-US" altLang="ko-KR" sz="1200" dirty="0" smtClean="0">
+              <a:rPr lang="en-US" altLang="ko-KR" sz="1200" dirty="0">
                 <a:gradFill>
                   <a:gsLst>
                     <a:gs pos="0">
@@ -21471,41 +20913,8 @@
                 <a:latin typeface="나눔고딕" panose="020D0604000000000000" pitchFamily="50" charset="-127"/>
                 <a:ea typeface="나눔고딕 ExtraBold"/>
               </a:rPr>
-              <a:t>(BMI, weight in kg/(height in </a:t>
-            </a:r>
-            <a:r>
-              <a:rPr lang="en-US" altLang="ko-KR" sz="1200" dirty="0" smtClean="0">
-                <a:gradFill>
-                  <a:gsLst>
-                    <a:gs pos="0">
-                      <a:srgbClr val="404040"/>
-                    </a:gs>
-                    <a:gs pos="100000">
-                      <a:srgbClr val="404040"/>
-                    </a:gs>
-                  </a:gsLst>
-                  <a:lin ang="5400000" scaled="0"/>
-                </a:gradFill>
-                <a:latin typeface="나눔고딕" panose="020D0604000000000000" pitchFamily="50" charset="-127"/>
-                <a:ea typeface="나눔고딕 ExtraBold"/>
-              </a:rPr>
-              <a:t>m)2</a:t>
-            </a:r>
-            <a:endParaRPr lang="en-US" altLang="ko-KR" sz="1200" dirty="0">
-              <a:gradFill>
-                <a:gsLst>
-                  <a:gs pos="0">
-                    <a:srgbClr val="404040"/>
-                  </a:gs>
-                  <a:gs pos="100000">
-                    <a:srgbClr val="404040"/>
-                  </a:gs>
-                </a:gsLst>
-                <a:lin ang="5400000" scaled="0"/>
-              </a:gradFill>
-              <a:latin typeface="나눔고딕" panose="020D0604000000000000" pitchFamily="50" charset="-127"/>
-              <a:ea typeface="나눔고딕 ExtraBold"/>
-            </a:endParaRPr>
+              <a:t>(BMI, weight in kg/(height in m)2</a:t>
+            </a:r>
           </a:p>
           <a:p>
             <a:pPr algn="just" latinLnBrk="1">
@@ -21514,7 +20923,7 @@
               </a:lnSpc>
             </a:pPr>
             <a:r>
-              <a:rPr lang="en-US" altLang="ko-KR" sz="1200" dirty="0" smtClean="0">
+              <a:rPr lang="en-US" altLang="ko-KR" sz="1200" dirty="0">
                 <a:gradFill>
                   <a:gsLst>
                     <a:gs pos="0">
@@ -21593,7 +21002,7 @@
               </a:lnSpc>
             </a:pPr>
             <a:r>
-              <a:rPr lang="en-US" altLang="ko-KR" sz="1200" dirty="0" smtClean="0">
+              <a:rPr lang="en-US" altLang="ko-KR" sz="1200" dirty="0">
                 <a:gradFill>
                   <a:gsLst>
                     <a:gs pos="0">
@@ -21954,7 +21363,7 @@
               <a:defRPr/>
             </a:pPr>
             <a:r>
-              <a:rPr lang="ko-KR" altLang="en-US" sz="2000" b="1" dirty="0" smtClean="0">
+              <a:rPr lang="ko-KR" altLang="en-US" sz="2000" b="1" dirty="0">
                 <a:gradFill>
                   <a:gsLst>
                     <a:gs pos="0">
@@ -21999,13 +21408,6 @@
   <p:clrMapOvr>
     <a:masterClrMapping/>
   </p:clrMapOvr>
-  <p:timing>
-    <p:tnLst>
-      <p:par>
-        <p:cTn id="1" dur="indefinite" restart="never" nodeType="tmRoot"/>
-      </p:par>
-    </p:tnLst>
-  </p:timing>
 </p:sld>
 </file>
 
@@ -22208,7 +21610,7 @@
               <a:defRPr/>
             </a:pPr>
             <a:r>
-              <a:rPr lang="ko-KR" altLang="en-US" sz="3800" kern="0" dirty="0" smtClean="0">
+              <a:rPr lang="ko-KR" altLang="en-US" sz="3800" kern="0" dirty="0">
                 <a:solidFill>
                   <a:schemeClr val="tx1"/>
                 </a:solidFill>
@@ -22414,7 +21816,7 @@
               <a:defRPr/>
             </a:pPr>
             <a:r>
-              <a:rPr lang="en-US" altLang="ko-KR" sz="3800" kern="0" dirty="0" smtClean="0">
+              <a:rPr lang="en-US" altLang="ko-KR" sz="3800" kern="0" dirty="0">
                 <a:solidFill>
                   <a:srgbClr val="0070C0"/>
                 </a:solidFill>
@@ -22424,7 +21826,7 @@
               </a:rPr>
               <a:t>02.</a:t>
             </a:r>
-            <a:endParaRPr lang="ko-KR" altLang="en-US" sz="3800" kern="0" dirty="0" smtClean="0">
+            <a:endParaRPr lang="ko-KR" altLang="en-US" sz="3800" kern="0" dirty="0">
               <a:solidFill>
                 <a:srgbClr val="0070C0"/>
               </a:solidFill>
@@ -22445,13 +21847,6 @@
   <p:clrMapOvr>
     <a:masterClrMapping/>
   </p:clrMapOvr>
-  <p:timing>
-    <p:tnLst>
-      <p:par>
-        <p:cTn id="1" dur="indefinite" restart="never" nodeType="tmRoot"/>
-      </p:par>
-    </p:tnLst>
-  </p:timing>
 </p:sld>
 </file>
 
@@ -22520,20 +21915,20 @@
               <a:buNone/>
             </a:pPr>
             <a:r>
-              <a:rPr lang="en-US" altLang="ko-KR" sz="2800" dirty="0" smtClean="0">
+              <a:rPr lang="en-US" altLang="ko-KR" sz="2800" dirty="0">
                 <a:latin typeface="나눔고딕 ExtraBold" panose="020D0904000000000000" pitchFamily="50" charset="-127"/>
                 <a:ea typeface="나눔고딕 ExtraBold" panose="020D0904000000000000" pitchFamily="50" charset="-127"/>
               </a:rPr>
               <a:t>1. </a:t>
             </a:r>
             <a:r>
-              <a:rPr lang="ko-KR" altLang="en-US" sz="2800" dirty="0" smtClean="0">
+              <a:rPr lang="ko-KR" altLang="en-US" sz="2800" dirty="0">
                 <a:latin typeface="나눔고딕 ExtraBold" panose="020D0904000000000000" pitchFamily="50" charset="-127"/>
                 <a:ea typeface="나눔고딕 ExtraBold" panose="020D0904000000000000" pitchFamily="50" charset="-127"/>
               </a:rPr>
               <a:t>다중 분류 문제</a:t>
             </a:r>
-            <a:endParaRPr lang="en-US" altLang="ko-KR" sz="2800" dirty="0" smtClean="0">
+            <a:endParaRPr lang="en-US" altLang="ko-KR" sz="2800" dirty="0">
               <a:latin typeface="나눔고딕 ExtraBold" panose="020D0904000000000000" pitchFamily="50" charset="-127"/>
               <a:ea typeface="나눔고딕 ExtraBold" panose="020D0904000000000000" pitchFamily="50" charset="-127"/>
             </a:endParaRPr>
@@ -22827,7 +22222,7 @@
               <a:defRPr/>
             </a:pPr>
             <a:r>
-              <a:rPr lang="ko-KR" altLang="en-US" sz="2000" b="1" dirty="0" smtClean="0">
+              <a:rPr lang="ko-KR" altLang="en-US" sz="2000" b="1" dirty="0">
                 <a:gradFill>
                   <a:gsLst>
                     <a:gs pos="0">
@@ -23151,7 +22546,7 @@
               <a:defRPr/>
             </a:pPr>
             <a:r>
-              <a:rPr lang="ko-KR" altLang="en-US" sz="1600" b="1" dirty="0" smtClean="0">
+              <a:rPr lang="ko-KR" altLang="en-US" sz="1600" b="1" dirty="0">
                 <a:gradFill>
                   <a:gsLst>
                     <a:gs pos="0">
@@ -23169,7 +22564,7 @@
               <a:t>꽃봉오리가 마치 먹물을 머금은 붓과 </a:t>
             </a:r>
             <a:r>
-              <a:rPr lang="ko-KR" altLang="en-US" sz="1600" b="1" dirty="0" err="1" smtClean="0">
+              <a:rPr lang="ko-KR" altLang="en-US" sz="1600" b="1" dirty="0" err="1">
                 <a:gradFill>
                   <a:gsLst>
                     <a:gs pos="0">
@@ -23187,7 +22582,7 @@
               <a:t>같다하여</a:t>
             </a:r>
             <a:r>
-              <a:rPr lang="ko-KR" altLang="en-US" sz="1600" b="1" dirty="0" smtClean="0">
+              <a:rPr lang="ko-KR" altLang="en-US" sz="1600" b="1" dirty="0">
                 <a:gradFill>
                   <a:gsLst>
                     <a:gs pos="0">
@@ -23205,7 +22600,7 @@
               <a:t> </a:t>
             </a:r>
             <a:r>
-              <a:rPr lang="en-US" altLang="ko-KR" sz="1600" b="1" dirty="0" smtClean="0">
+              <a:rPr lang="en-US" altLang="ko-KR" sz="1600" b="1" dirty="0">
                 <a:gradFill>
                   <a:gsLst>
                     <a:gs pos="0">
@@ -23223,7 +22618,7 @@
               <a:t>‘</a:t>
             </a:r>
             <a:r>
-              <a:rPr lang="ko-KR" altLang="en-US" sz="1600" b="1" dirty="0" smtClean="0">
+              <a:rPr lang="ko-KR" altLang="en-US" sz="1600" b="1" dirty="0">
                 <a:gradFill>
                   <a:gsLst>
                     <a:gs pos="0">
@@ -23241,7 +22636,7 @@
               <a:t>붓꽃</a:t>
             </a:r>
             <a:r>
-              <a:rPr lang="en-US" altLang="ko-KR" sz="1600" b="1" dirty="0" smtClean="0">
+              <a:rPr lang="en-US" altLang="ko-KR" sz="1600" b="1" dirty="0">
                 <a:gradFill>
                   <a:gsLst>
                     <a:gs pos="0">
@@ -23259,7 +22654,7 @@
               <a:t>＇</a:t>
             </a:r>
             <a:r>
-              <a:rPr lang="ko-KR" altLang="en-US" sz="1600" b="1" dirty="0" smtClean="0">
+              <a:rPr lang="ko-KR" altLang="en-US" sz="1600" b="1" dirty="0">
                 <a:gradFill>
                   <a:gsLst>
                     <a:gs pos="0">
@@ -23276,7 +22671,7 @@
               </a:rPr>
               <a:t>이라 불림</a:t>
             </a:r>
-            <a:endParaRPr lang="en-US" altLang="ko-KR" sz="1600" b="1" dirty="0" smtClean="0">
+            <a:endParaRPr lang="en-US" altLang="ko-KR" sz="1600" b="1" dirty="0">
               <a:gradFill>
                 <a:gsLst>
                   <a:gs pos="0">
@@ -23299,7 +22694,7 @@
               <a:defRPr/>
             </a:pPr>
             <a:r>
-              <a:rPr lang="ko-KR" altLang="en-US" sz="1600" b="1" dirty="0" smtClean="0">
+              <a:rPr lang="ko-KR" altLang="en-US" sz="1600" b="1" dirty="0">
                 <a:gradFill>
                   <a:gsLst>
                     <a:gs pos="0">
@@ -23316,7 +22711,7 @@
               </a:rPr>
               <a:t>꽃잎의 모양과 길이에 따라 여러 가지 품종으로 나뉨</a:t>
             </a:r>
-            <a:endParaRPr lang="en-US" altLang="ko-KR" sz="1600" b="1" dirty="0" smtClean="0">
+            <a:endParaRPr lang="en-US" altLang="ko-KR" sz="1600" b="1" dirty="0">
               <a:gradFill>
                 <a:gsLst>
                   <a:gs pos="0">
@@ -23621,7 +23016,7 @@
               <a:defRPr/>
             </a:pPr>
             <a:r>
-              <a:rPr lang="ko-KR" altLang="en-US" sz="1600" b="1" dirty="0" err="1" smtClean="0">
+              <a:rPr lang="ko-KR" altLang="en-US" sz="1600" b="1" dirty="0" err="1">
                 <a:gradFill>
                   <a:gsLst>
                     <a:gs pos="0">
@@ -23639,7 +23034,7 @@
               <a:t>딥러닝을</a:t>
             </a:r>
             <a:r>
-              <a:rPr lang="ko-KR" altLang="en-US" sz="1600" b="1" dirty="0" smtClean="0">
+              <a:rPr lang="ko-KR" altLang="en-US" sz="1600" b="1" dirty="0">
                 <a:gradFill>
                   <a:gsLst>
                     <a:gs pos="0">
@@ -23657,7 +23052,7 @@
               <a:t> 통해서 품종을 구별할 수 있을까</a:t>
             </a:r>
             <a:r>
-              <a:rPr lang="en-US" altLang="ko-KR" sz="1600" b="1" dirty="0" smtClean="0">
+              <a:rPr lang="en-US" altLang="ko-KR" sz="1600" b="1" dirty="0">
                 <a:gradFill>
                   <a:gsLst>
                     <a:gs pos="0">
@@ -23728,13 +23123,6 @@
   <p:clrMapOvr>
     <a:masterClrMapping/>
   </p:clrMapOvr>
-  <p:timing>
-    <p:tnLst>
-      <p:par>
-        <p:cTn id="1" dur="indefinite" restart="never" nodeType="tmRoot"/>
-      </p:par>
-    </p:tnLst>
-  </p:timing>
 </p:sld>
 </file>
 
@@ -23803,20 +23191,20 @@
               <a:buNone/>
             </a:pPr>
             <a:r>
-              <a:rPr lang="en-US" altLang="ko-KR" sz="2800" dirty="0" smtClean="0">
+              <a:rPr lang="en-US" altLang="ko-KR" sz="2800" dirty="0">
                 <a:latin typeface="나눔고딕 ExtraBold" panose="020D0904000000000000" pitchFamily="50" charset="-127"/>
                 <a:ea typeface="나눔고딕 ExtraBold" panose="020D0904000000000000" pitchFamily="50" charset="-127"/>
               </a:rPr>
               <a:t>1. </a:t>
             </a:r>
             <a:r>
-              <a:rPr lang="ko-KR" altLang="en-US" sz="2800" dirty="0" smtClean="0">
+              <a:rPr lang="ko-KR" altLang="en-US" sz="2800" dirty="0">
                 <a:latin typeface="나눔고딕 ExtraBold" panose="020D0904000000000000" pitchFamily="50" charset="-127"/>
                 <a:ea typeface="나눔고딕 ExtraBold" panose="020D0904000000000000" pitchFamily="50" charset="-127"/>
               </a:rPr>
               <a:t>다중 분류 문제</a:t>
             </a:r>
-            <a:endParaRPr lang="en-US" altLang="ko-KR" sz="2800" dirty="0" smtClean="0">
+            <a:endParaRPr lang="en-US" altLang="ko-KR" sz="2800" dirty="0">
               <a:latin typeface="나눔고딕 ExtraBold" panose="020D0904000000000000" pitchFamily="50" charset="-127"/>
               <a:ea typeface="나눔고딕 ExtraBold" panose="020D0904000000000000" pitchFamily="50" charset="-127"/>
             </a:endParaRPr>
@@ -24110,7 +23498,7 @@
               <a:defRPr/>
             </a:pPr>
             <a:r>
-              <a:rPr lang="ko-KR" altLang="en-US" sz="2000" b="1" dirty="0" smtClean="0">
+              <a:rPr lang="ko-KR" altLang="en-US" sz="2000" b="1" dirty="0">
                 <a:gradFill>
                   <a:gsLst>
                     <a:gs pos="0">
@@ -24333,7 +23721,7 @@
               </a:lnSpc>
             </a:pPr>
             <a:r>
-              <a:rPr lang="en-US" altLang="ko-KR" sz="1200" dirty="0" smtClean="0">
+              <a:rPr lang="en-US" altLang="ko-KR" sz="1200" dirty="0">
                 <a:gradFill>
                   <a:gsLst>
                     <a:gs pos="0">
@@ -24466,7 +23854,7 @@
               </a:lnSpc>
             </a:pPr>
             <a:r>
-              <a:rPr lang="en-US" altLang="ko-KR" sz="1200" dirty="0" smtClean="0">
+              <a:rPr lang="en-US" altLang="ko-KR" sz="1200" dirty="0">
                 <a:gradFill>
                   <a:gsLst>
                     <a:gs pos="0">
@@ -24599,7 +23987,7 @@
               </a:lnSpc>
             </a:pPr>
             <a:r>
-              <a:rPr lang="en-US" altLang="ko-KR" sz="1200" dirty="0" smtClean="0">
+              <a:rPr lang="en-US" altLang="ko-KR" sz="1200" dirty="0">
                 <a:gradFill>
                   <a:gsLst>
                     <a:gs pos="0">
@@ -24732,7 +24120,7 @@
               </a:lnSpc>
             </a:pPr>
             <a:r>
-              <a:rPr lang="en-US" altLang="ko-KR" sz="1200" dirty="0" smtClean="0">
+              <a:rPr lang="en-US" altLang="ko-KR" sz="1200" dirty="0">
                 <a:gradFill>
                   <a:gsLst>
                     <a:gs pos="0">
@@ -25000,13 +24388,6 @@
   <p:clrMapOvr>
     <a:masterClrMapping/>
   </p:clrMapOvr>
-  <p:timing>
-    <p:tnLst>
-      <p:par>
-        <p:cTn id="1" dur="indefinite" restart="never" nodeType="tmRoot"/>
-      </p:par>
-    </p:tnLst>
-  </p:timing>
 </p:sld>
 </file>
 
